--- a/Slide khoá SIM/Lesson_3.pptx
+++ b/Slide khoá SIM/Lesson_3.pptx
@@ -2,21 +2,21 @@
 <file path=ppt/presentation.xml><?xml version="1.0" encoding="utf-8"?>
 <p:presentation xmlns:a="http://schemas.openxmlformats.org/drawingml/2006/main" xmlns:r="http://schemas.openxmlformats.org/officeDocument/2006/relationships" xmlns:p="http://schemas.openxmlformats.org/presentationml/2006/main" autoCompressPictures="0">
   <p:sldMasterIdLst>
-    <p:sldMasterId id="2147483879" r:id="rId1"/>
+    <p:sldMasterId id="2147483879" r:id="rId4"/>
   </p:sldMasterIdLst>
   <p:notesMasterIdLst>
-    <p:notesMasterId r:id="rId11"/>
+    <p:notesMasterId r:id="rId14"/>
   </p:notesMasterIdLst>
   <p:sldIdLst>
-    <p:sldId id="256" r:id="rId2"/>
-    <p:sldId id="257" r:id="rId3"/>
-    <p:sldId id="259" r:id="rId4"/>
-    <p:sldId id="258" r:id="rId5"/>
-    <p:sldId id="264" r:id="rId6"/>
-    <p:sldId id="265" r:id="rId7"/>
-    <p:sldId id="266" r:id="rId8"/>
-    <p:sldId id="263" r:id="rId9"/>
-    <p:sldId id="261" r:id="rId10"/>
+    <p:sldId id="256" r:id="rId5"/>
+    <p:sldId id="257" r:id="rId6"/>
+    <p:sldId id="259" r:id="rId7"/>
+    <p:sldId id="258" r:id="rId8"/>
+    <p:sldId id="264" r:id="rId9"/>
+    <p:sldId id="265" r:id="rId10"/>
+    <p:sldId id="266" r:id="rId11"/>
+    <p:sldId id="263" r:id="rId12"/>
+    <p:sldId id="261" r:id="rId13"/>
   </p:sldIdLst>
   <p:sldSz cx="12192000" cy="6858000"/>
   <p:notesSz cx="6858000" cy="9144000"/>
@@ -1804,6 +1804,13 @@
         </dgm:presLayoutVars>
       </dgm:prSet>
       <dgm:spPr/>
+      <dgm:t>
+        <a:bodyPr/>
+        <a:lstStyle/>
+        <a:p>
+          <a:endParaRPr lang="en-US"/>
+        </a:p>
+      </dgm:t>
     </dgm:pt>
     <dgm:pt modelId="{5E36979F-1749-49FD-933F-6250AD0969FD}" type="pres">
       <dgm:prSet presAssocID="{9C7B26AE-F95A-469E-8FC3-5AE43416014C}" presName="Name1" presStyleCnt="0"/>
@@ -1820,6 +1827,13 @@
     <dgm:pt modelId="{E99CE79B-6475-4426-922E-AAB239A1A0C6}" type="pres">
       <dgm:prSet presAssocID="{9C7B26AE-F95A-469E-8FC3-5AE43416014C}" presName="conn" presStyleLbl="parChTrans1D2" presStyleIdx="0" presStyleCnt="1"/>
       <dgm:spPr/>
+      <dgm:t>
+        <a:bodyPr/>
+        <a:lstStyle/>
+        <a:p>
+          <a:endParaRPr lang="en-US"/>
+        </a:p>
+      </dgm:t>
     </dgm:pt>
     <dgm:pt modelId="{18FE7EA7-8034-46A1-9C75-B3CCA1BE057E}" type="pres">
       <dgm:prSet presAssocID="{9C7B26AE-F95A-469E-8FC3-5AE43416014C}" presName="extraNode" presStyleLbl="node1" presStyleIdx="0" presStyleCnt="3"/>
@@ -1836,6 +1850,13 @@
         </dgm:presLayoutVars>
       </dgm:prSet>
       <dgm:spPr/>
+      <dgm:t>
+        <a:bodyPr/>
+        <a:lstStyle/>
+        <a:p>
+          <a:endParaRPr lang="en-US"/>
+        </a:p>
+      </dgm:t>
     </dgm:pt>
     <dgm:pt modelId="{AF726EE2-E9E1-4B36-B0B8-2A9B43D50B7F}" type="pres">
       <dgm:prSet presAssocID="{3A3A51F7-C0FC-4958-95DC-0714E860B951}" presName="accent_1" presStyleCnt="0"/>
@@ -1852,6 +1873,13 @@
         </dgm:presLayoutVars>
       </dgm:prSet>
       <dgm:spPr/>
+      <dgm:t>
+        <a:bodyPr/>
+        <a:lstStyle/>
+        <a:p>
+          <a:endParaRPr lang="en-US"/>
+        </a:p>
+      </dgm:t>
     </dgm:pt>
     <dgm:pt modelId="{5C4AC51C-B16E-4766-B3EE-90F6AA876D0B}" type="pres">
       <dgm:prSet presAssocID="{12D0EE93-D4C2-4DC1-80CF-B90670E6A335}" presName="accent_2" presStyleCnt="0"/>
@@ -1868,6 +1896,13 @@
         </dgm:presLayoutVars>
       </dgm:prSet>
       <dgm:spPr/>
+      <dgm:t>
+        <a:bodyPr/>
+        <a:lstStyle/>
+        <a:p>
+          <a:endParaRPr lang="en-US"/>
+        </a:p>
+      </dgm:t>
     </dgm:pt>
     <dgm:pt modelId="{F5A35901-3799-47C5-9953-346A285A7833}" type="pres">
       <dgm:prSet presAssocID="{E0D2718C-B423-41B8-B7FA-E9FBD2A88B9A}" presName="accent_3" presStyleCnt="0"/>
@@ -1880,11 +1915,11 @@
   </dgm:ptLst>
   <dgm:cxnLst>
     <dgm:cxn modelId="{0E636C68-8868-4DD7-9F8A-6742A9BA00AE}" type="presOf" srcId="{A73CCA51-E28C-410A-921C-53B819CAAA85}" destId="{E99CE79B-6475-4426-922E-AAB239A1A0C6}" srcOrd="0" destOrd="0" presId="urn:microsoft.com/office/officeart/2008/layout/VerticalCurvedList"/>
+    <dgm:cxn modelId="{AD28F8D8-D1F0-43F3-AE91-107B6F88FF90}" srcId="{9C7B26AE-F95A-469E-8FC3-5AE43416014C}" destId="{12D0EE93-D4C2-4DC1-80CF-B90670E6A335}" srcOrd="1" destOrd="0" parTransId="{5C1DEF32-515F-4E03-A967-9FB0DE9C708B}" sibTransId="{52CBBDE6-6D32-48FD-BB18-DDD9DDBCFB4F}"/>
+    <dgm:cxn modelId="{11159589-8FB3-43AC-B5EA-5D548FB32262}" type="presOf" srcId="{E0D2718C-B423-41B8-B7FA-E9FBD2A88B9A}" destId="{C8BAFFF6-3137-4706-9DCF-CFFED3BF44D9}" srcOrd="0" destOrd="0" presId="urn:microsoft.com/office/officeart/2008/layout/VerticalCurvedList"/>
+    <dgm:cxn modelId="{CC91F7DB-7B96-4210-9801-693FF561DF7B}" srcId="{9C7B26AE-F95A-469E-8FC3-5AE43416014C}" destId="{3A3A51F7-C0FC-4958-95DC-0714E860B951}" srcOrd="0" destOrd="0" parTransId="{3E6FDDD6-65DC-4863-B2F7-A95E4B1856B7}" sibTransId="{A73CCA51-E28C-410A-921C-53B819CAAA85}"/>
+    <dgm:cxn modelId="{2D08AA90-3DF2-4E29-8E99-50BDD2545300}" type="presOf" srcId="{12D0EE93-D4C2-4DC1-80CF-B90670E6A335}" destId="{2FFF9C4D-A8CB-4554-B73C-3D995C71FC8D}" srcOrd="0" destOrd="0" presId="urn:microsoft.com/office/officeart/2008/layout/VerticalCurvedList"/>
     <dgm:cxn modelId="{20F7E56B-0C69-4A17-A0F4-BC482B22DAB4}" type="presOf" srcId="{9C7B26AE-F95A-469E-8FC3-5AE43416014C}" destId="{43E94003-C34F-4AF8-AF5A-ECC7F8D0059E}" srcOrd="0" destOrd="0" presId="urn:microsoft.com/office/officeart/2008/layout/VerticalCurvedList"/>
-    <dgm:cxn modelId="{11159589-8FB3-43AC-B5EA-5D548FB32262}" type="presOf" srcId="{E0D2718C-B423-41B8-B7FA-E9FBD2A88B9A}" destId="{C8BAFFF6-3137-4706-9DCF-CFFED3BF44D9}" srcOrd="0" destOrd="0" presId="urn:microsoft.com/office/officeart/2008/layout/VerticalCurvedList"/>
-    <dgm:cxn modelId="{2D08AA90-3DF2-4E29-8E99-50BDD2545300}" type="presOf" srcId="{12D0EE93-D4C2-4DC1-80CF-B90670E6A335}" destId="{2FFF9C4D-A8CB-4554-B73C-3D995C71FC8D}" srcOrd="0" destOrd="0" presId="urn:microsoft.com/office/officeart/2008/layout/VerticalCurvedList"/>
-    <dgm:cxn modelId="{AD28F8D8-D1F0-43F3-AE91-107B6F88FF90}" srcId="{9C7B26AE-F95A-469E-8FC3-5AE43416014C}" destId="{12D0EE93-D4C2-4DC1-80CF-B90670E6A335}" srcOrd="1" destOrd="0" parTransId="{5C1DEF32-515F-4E03-A967-9FB0DE9C708B}" sibTransId="{52CBBDE6-6D32-48FD-BB18-DDD9DDBCFB4F}"/>
-    <dgm:cxn modelId="{CC91F7DB-7B96-4210-9801-693FF561DF7B}" srcId="{9C7B26AE-F95A-469E-8FC3-5AE43416014C}" destId="{3A3A51F7-C0FC-4958-95DC-0714E860B951}" srcOrd="0" destOrd="0" parTransId="{3E6FDDD6-65DC-4863-B2F7-A95E4B1856B7}" sibTransId="{A73CCA51-E28C-410A-921C-53B819CAAA85}"/>
     <dgm:cxn modelId="{20AFA2DC-836A-42D9-B65D-7583D08588CF}" type="presOf" srcId="{3A3A51F7-C0FC-4958-95DC-0714E860B951}" destId="{B99CB766-D1F2-4959-97C8-F60FD79E7AD7}" srcOrd="0" destOrd="0" presId="urn:microsoft.com/office/officeart/2008/layout/VerticalCurvedList"/>
     <dgm:cxn modelId="{1B0419F9-8AA0-432A-A76B-E89971900AEB}" srcId="{9C7B26AE-F95A-469E-8FC3-5AE43416014C}" destId="{E0D2718C-B423-41B8-B7FA-E9FBD2A88B9A}" srcOrd="2" destOrd="0" parTransId="{F962A9A5-3521-4CF6-9A82-2074592A9C04}" sibTransId="{353102C0-E0C8-4959-A7EC-1D12369C620C}"/>
     <dgm:cxn modelId="{8C4A627B-F02A-48D8-A4FF-DE78B07C8B5D}" type="presParOf" srcId="{43E94003-C34F-4AF8-AF5A-ECC7F8D0059E}" destId="{5E36979F-1749-49FD-933F-6250AD0969FD}" srcOrd="0" destOrd="0" presId="urn:microsoft.com/office/officeart/2008/layout/VerticalCurvedList"/>
@@ -2337,6 +2372,13 @@
         </dgm:presLayoutVars>
       </dgm:prSet>
       <dgm:spPr/>
+      <dgm:t>
+        <a:bodyPr/>
+        <a:lstStyle/>
+        <a:p>
+          <a:endParaRPr lang="en-US"/>
+        </a:p>
+      </dgm:t>
     </dgm:pt>
     <dgm:pt modelId="{2544D096-1754-4719-8701-6AA7A395AE52}" type="pres">
       <dgm:prSet presAssocID="{818935BA-6305-4268-A167-179E13474854}" presName="descendantText" presStyleLbl="alignAcc1" presStyleIdx="0" presStyleCnt="3">
@@ -2345,6 +2387,13 @@
         </dgm:presLayoutVars>
       </dgm:prSet>
       <dgm:spPr/>
+      <dgm:t>
+        <a:bodyPr/>
+        <a:lstStyle/>
+        <a:p>
+          <a:endParaRPr lang="en-US"/>
+        </a:p>
+      </dgm:t>
     </dgm:pt>
     <dgm:pt modelId="{187E366A-64A6-4507-9267-4A12B217DC17}" type="pres">
       <dgm:prSet presAssocID="{3D613B96-366B-4650-B7FF-5229C7378839}" presName="sp" presStyleCnt="0"/>
@@ -2362,6 +2411,13 @@
         </dgm:presLayoutVars>
       </dgm:prSet>
       <dgm:spPr/>
+      <dgm:t>
+        <a:bodyPr/>
+        <a:lstStyle/>
+        <a:p>
+          <a:endParaRPr lang="en-US"/>
+        </a:p>
+      </dgm:t>
     </dgm:pt>
     <dgm:pt modelId="{5DE325DF-FA38-40CC-B7A8-9EB5A975AAB2}" type="pres">
       <dgm:prSet presAssocID="{6A967938-0C10-4DE5-B2CC-738885272170}" presName="descendantText" presStyleLbl="alignAcc1" presStyleIdx="1" presStyleCnt="3">
@@ -2370,6 +2426,13 @@
         </dgm:presLayoutVars>
       </dgm:prSet>
       <dgm:spPr/>
+      <dgm:t>
+        <a:bodyPr/>
+        <a:lstStyle/>
+        <a:p>
+          <a:endParaRPr lang="en-US"/>
+        </a:p>
+      </dgm:t>
     </dgm:pt>
     <dgm:pt modelId="{6153212D-B63A-48ED-B573-7CCA105269FC}" type="pres">
       <dgm:prSet presAssocID="{C9D53FD7-0193-476A-926B-02AC9E1F14C3}" presName="sp" presStyleCnt="0"/>
@@ -2387,6 +2450,13 @@
         </dgm:presLayoutVars>
       </dgm:prSet>
       <dgm:spPr/>
+      <dgm:t>
+        <a:bodyPr/>
+        <a:lstStyle/>
+        <a:p>
+          <a:endParaRPr lang="en-US"/>
+        </a:p>
+      </dgm:t>
     </dgm:pt>
     <dgm:pt modelId="{F5F65965-E22F-4DCA-A404-C62901E2A237}" type="pres">
       <dgm:prSet presAssocID="{CF02BAFA-B428-4ADA-9E06-95758FE1D22F}" presName="descendantText" presStyleLbl="alignAcc1" presStyleIdx="2" presStyleCnt="3" custLinFactNeighborY="0">
@@ -2395,30 +2465,37 @@
         </dgm:presLayoutVars>
       </dgm:prSet>
       <dgm:spPr/>
+      <dgm:t>
+        <a:bodyPr/>
+        <a:lstStyle/>
+        <a:p>
+          <a:endParaRPr lang="en-US"/>
+        </a:p>
+      </dgm:t>
     </dgm:pt>
   </dgm:ptLst>
   <dgm:cxnLst>
-    <dgm:cxn modelId="{A43C1303-BFA4-4D7B-B786-46EFF1E9A186}" srcId="{CF02BAFA-B428-4ADA-9E06-95758FE1D22F}" destId="{A232F8B8-A2B6-4278-9932-F4E6ACB18DAC}" srcOrd="1" destOrd="0" parTransId="{8E6303D7-67CC-42A7-8004-DBB3D22CECD1}" sibTransId="{35B2D501-7C66-4CAA-BDFA-4C6F1EF7CB30}"/>
     <dgm:cxn modelId="{2A473F0A-5493-41C2-AF2F-75C73174D4E9}" type="presOf" srcId="{71529298-F77E-4714-8532-95390F8179C7}" destId="{5DE325DF-FA38-40CC-B7A8-9EB5A975AAB2}" srcOrd="0" destOrd="0" presId="urn:microsoft.com/office/officeart/2005/8/layout/chevron2"/>
-    <dgm:cxn modelId="{6418CF22-FFE1-4F9F-8A8B-A185A04BDDA3}" srcId="{818935BA-6305-4268-A167-179E13474854}" destId="{8D2C9A78-09F2-4D95-824A-108E1D446217}" srcOrd="1" destOrd="0" parTransId="{C83401FF-B7C2-43B7-8BEE-99B70CD6F1F2}" sibTransId="{5C431447-FCD8-4589-9555-27B124691240}"/>
-    <dgm:cxn modelId="{736CC229-DCDB-4A95-BE68-6A86B28915F5}" srcId="{6A967938-0C10-4DE5-B2CC-738885272170}" destId="{B63BD10C-DF7D-4D67-AF7A-F5876060C6E0}" srcOrd="1" destOrd="0" parTransId="{1E163775-4586-4846-8821-3D5D9E60426D}" sibTransId="{C4CBC9B4-8D2E-48D2-8E2D-3836531CC9C6}"/>
-    <dgm:cxn modelId="{36EEA95E-D61D-4496-B0D2-DF9945C44E35}" type="presOf" srcId="{059A8B10-222F-44BD-A09B-7EE08D0C1D72}" destId="{629A7AD1-C5AC-4614-BCAE-E59A3C3DF7E5}" srcOrd="0" destOrd="0" presId="urn:microsoft.com/office/officeart/2005/8/layout/chevron2"/>
-    <dgm:cxn modelId="{8A406666-F491-48B2-BDD3-2AC660ACBE4B}" srcId="{6A967938-0C10-4DE5-B2CC-738885272170}" destId="{71529298-F77E-4714-8532-95390F8179C7}" srcOrd="0" destOrd="0" parTransId="{6E3BC6F5-AB04-45B3-B176-9BD1DF847429}" sibTransId="{F7DB714F-0970-4A1D-AA32-8F2FCF7F4C06}"/>
-    <dgm:cxn modelId="{B9227B67-9E01-469D-AFE3-E5F10C8C0F66}" type="presOf" srcId="{818935BA-6305-4268-A167-179E13474854}" destId="{E5A1C1DB-0FBA-4555-97AD-AB1758D58042}" srcOrd="0" destOrd="0" presId="urn:microsoft.com/office/officeart/2005/8/layout/chevron2"/>
-    <dgm:cxn modelId="{DE36AA49-E5A4-4B4D-835E-BB818BEF5055}" type="presOf" srcId="{8D2C9A78-09F2-4D95-824A-108E1D446217}" destId="{2544D096-1754-4719-8701-6AA7A395AE52}" srcOrd="0" destOrd="1" presId="urn:microsoft.com/office/officeart/2005/8/layout/chevron2"/>
-    <dgm:cxn modelId="{DDD7F86F-F1B9-4A7D-AB3D-79AEEB347827}" type="presOf" srcId="{A232F8B8-A2B6-4278-9932-F4E6ACB18DAC}" destId="{F5F65965-E22F-4DCA-A404-C62901E2A237}" srcOrd="0" destOrd="1" presId="urn:microsoft.com/office/officeart/2005/8/layout/chevron2"/>
-    <dgm:cxn modelId="{94940672-AC29-4997-BF12-3DA335B725D1}" srcId="{059A8B10-222F-44BD-A09B-7EE08D0C1D72}" destId="{818935BA-6305-4268-A167-179E13474854}" srcOrd="0" destOrd="0" parTransId="{D658ACED-D290-490E-82F0-33508CCAB9F8}" sibTransId="{3D613B96-366B-4650-B7FF-5229C7378839}"/>
-    <dgm:cxn modelId="{0993907B-5343-4BF4-B130-548B736E1FBC}" type="presOf" srcId="{6A967938-0C10-4DE5-B2CC-738885272170}" destId="{26C733FB-7B14-4857-834F-8E0487806B61}" srcOrd="0" destOrd="0" presId="urn:microsoft.com/office/officeart/2005/8/layout/chevron2"/>
-    <dgm:cxn modelId="{E5E4637F-F820-4483-B864-6ABC7C3C720A}" srcId="{CF02BAFA-B428-4ADA-9E06-95758FE1D22F}" destId="{6595F6D6-CDAB-40B0-AE78-67E35DE3BC2D}" srcOrd="0" destOrd="0" parTransId="{8B7317F5-B81A-4338-B75E-9CFA828760F7}" sibTransId="{B577B29A-FC88-4DB2-96AD-B8244792B0DB}"/>
-    <dgm:cxn modelId="{13318F83-5DC7-4CF2-B5B4-79078A9CA634}" srcId="{6A967938-0C10-4DE5-B2CC-738885272170}" destId="{0D6CB030-A750-4361-BC4C-9D5A8D8C7AD4}" srcOrd="2" destOrd="0" parTransId="{20E075E0-BBF4-48D4-AA12-FD98A92197C7}" sibTransId="{7924839A-FB4A-4EBB-B38A-AA5875720B14}"/>
-    <dgm:cxn modelId="{8C364089-947A-4137-A1BD-E32D93E85DE9}" srcId="{059A8B10-222F-44BD-A09B-7EE08D0C1D72}" destId="{CF02BAFA-B428-4ADA-9E06-95758FE1D22F}" srcOrd="2" destOrd="0" parTransId="{B1A2DB81-2620-4E6C-8E7E-41916D958C56}" sibTransId="{FEE0EF0C-F673-4B4E-AB52-A33918A87DB7}"/>
-    <dgm:cxn modelId="{A1080590-DA8F-41FE-BF2E-8EF563EC70BC}" type="presOf" srcId="{6595F6D6-CDAB-40B0-AE78-67E35DE3BC2D}" destId="{F5F65965-E22F-4DCA-A404-C62901E2A237}" srcOrd="0" destOrd="0" presId="urn:microsoft.com/office/officeart/2005/8/layout/chevron2"/>
     <dgm:cxn modelId="{7F6B3994-C118-47EF-A8AE-8FCDD4105F55}" type="presOf" srcId="{B63BD10C-DF7D-4D67-AF7A-F5876060C6E0}" destId="{5DE325DF-FA38-40CC-B7A8-9EB5A975AAB2}" srcOrd="0" destOrd="1" presId="urn:microsoft.com/office/officeart/2005/8/layout/chevron2"/>
     <dgm:cxn modelId="{1618F897-6ABB-433E-994F-97090DAE3F1D}" srcId="{818935BA-6305-4268-A167-179E13474854}" destId="{7FF05D01-57C5-4453-B253-D4A3D9001C57}" srcOrd="0" destOrd="0" parTransId="{5DF39756-D9D1-4EB1-AB24-21701560284E}" sibTransId="{C7D0CC25-2462-4C0F-BE67-30F06B0D2912}"/>
+    <dgm:cxn modelId="{0993907B-5343-4BF4-B130-548B736E1FBC}" type="presOf" srcId="{6A967938-0C10-4DE5-B2CC-738885272170}" destId="{26C733FB-7B14-4857-834F-8E0487806B61}" srcOrd="0" destOrd="0" presId="urn:microsoft.com/office/officeart/2005/8/layout/chevron2"/>
+    <dgm:cxn modelId="{8C364089-947A-4137-A1BD-E32D93E85DE9}" srcId="{059A8B10-222F-44BD-A09B-7EE08D0C1D72}" destId="{CF02BAFA-B428-4ADA-9E06-95758FE1D22F}" srcOrd="2" destOrd="0" parTransId="{B1A2DB81-2620-4E6C-8E7E-41916D958C56}" sibTransId="{FEE0EF0C-F673-4B4E-AB52-A33918A87DB7}"/>
+    <dgm:cxn modelId="{A43C1303-BFA4-4D7B-B786-46EFF1E9A186}" srcId="{CF02BAFA-B428-4ADA-9E06-95758FE1D22F}" destId="{A232F8B8-A2B6-4278-9932-F4E6ACB18DAC}" srcOrd="1" destOrd="0" parTransId="{8E6303D7-67CC-42A7-8004-DBB3D22CECD1}" sibTransId="{35B2D501-7C66-4CAA-BDFA-4C6F1EF7CB30}"/>
+    <dgm:cxn modelId="{57DC0DC9-F37D-4F10-8785-8BB445E2E10B}" type="presOf" srcId="{CF02BAFA-B428-4ADA-9E06-95758FE1D22F}" destId="{7B380FEC-AD9E-4E9F-9E3D-23451C183C49}" srcOrd="0" destOrd="0" presId="urn:microsoft.com/office/officeart/2005/8/layout/chevron2"/>
+    <dgm:cxn modelId="{13318F83-5DC7-4CF2-B5B4-79078A9CA634}" srcId="{6A967938-0C10-4DE5-B2CC-738885272170}" destId="{0D6CB030-A750-4361-BC4C-9D5A8D8C7AD4}" srcOrd="2" destOrd="0" parTransId="{20E075E0-BBF4-48D4-AA12-FD98A92197C7}" sibTransId="{7924839A-FB4A-4EBB-B38A-AA5875720B14}"/>
+    <dgm:cxn modelId="{36EEA95E-D61D-4496-B0D2-DF9945C44E35}" type="presOf" srcId="{059A8B10-222F-44BD-A09B-7EE08D0C1D72}" destId="{629A7AD1-C5AC-4614-BCAE-E59A3C3DF7E5}" srcOrd="0" destOrd="0" presId="urn:microsoft.com/office/officeart/2005/8/layout/chevron2"/>
+    <dgm:cxn modelId="{B9227B67-9E01-469D-AFE3-E5F10C8C0F66}" type="presOf" srcId="{818935BA-6305-4268-A167-179E13474854}" destId="{E5A1C1DB-0FBA-4555-97AD-AB1758D58042}" srcOrd="0" destOrd="0" presId="urn:microsoft.com/office/officeart/2005/8/layout/chevron2"/>
     <dgm:cxn modelId="{B68E0D9F-7A27-4DC5-ADAC-50BCD9BFB386}" type="presOf" srcId="{0D6CB030-A750-4361-BC4C-9D5A8D8C7AD4}" destId="{5DE325DF-FA38-40CC-B7A8-9EB5A975AAB2}" srcOrd="0" destOrd="2" presId="urn:microsoft.com/office/officeart/2005/8/layout/chevron2"/>
+    <dgm:cxn modelId="{DE36AA49-E5A4-4B4D-835E-BB818BEF5055}" type="presOf" srcId="{8D2C9A78-09F2-4D95-824A-108E1D446217}" destId="{2544D096-1754-4719-8701-6AA7A395AE52}" srcOrd="0" destOrd="1" presId="urn:microsoft.com/office/officeart/2005/8/layout/chevron2"/>
     <dgm:cxn modelId="{835DDDC4-5AFC-479C-B9AA-D6FB8000E6A6}" srcId="{059A8B10-222F-44BD-A09B-7EE08D0C1D72}" destId="{6A967938-0C10-4DE5-B2CC-738885272170}" srcOrd="1" destOrd="0" parTransId="{578A94B7-2ED4-4A01-B474-194FDD73C937}" sibTransId="{C9D53FD7-0193-476A-926B-02AC9E1F14C3}"/>
-    <dgm:cxn modelId="{57DC0DC9-F37D-4F10-8785-8BB445E2E10B}" type="presOf" srcId="{CF02BAFA-B428-4ADA-9E06-95758FE1D22F}" destId="{7B380FEC-AD9E-4E9F-9E3D-23451C183C49}" srcOrd="0" destOrd="0" presId="urn:microsoft.com/office/officeart/2005/8/layout/chevron2"/>
+    <dgm:cxn modelId="{736CC229-DCDB-4A95-BE68-6A86B28915F5}" srcId="{6A967938-0C10-4DE5-B2CC-738885272170}" destId="{B63BD10C-DF7D-4D67-AF7A-F5876060C6E0}" srcOrd="1" destOrd="0" parTransId="{1E163775-4586-4846-8821-3D5D9E60426D}" sibTransId="{C4CBC9B4-8D2E-48D2-8E2D-3836531CC9C6}"/>
+    <dgm:cxn modelId="{94940672-AC29-4997-BF12-3DA335B725D1}" srcId="{059A8B10-222F-44BD-A09B-7EE08D0C1D72}" destId="{818935BA-6305-4268-A167-179E13474854}" srcOrd="0" destOrd="0" parTransId="{D658ACED-D290-490E-82F0-33508CCAB9F8}" sibTransId="{3D613B96-366B-4650-B7FF-5229C7378839}"/>
     <dgm:cxn modelId="{8EFC7EEA-5F23-4C61-9537-75C812545953}" type="presOf" srcId="{7FF05D01-57C5-4453-B253-D4A3D9001C57}" destId="{2544D096-1754-4719-8701-6AA7A395AE52}" srcOrd="0" destOrd="0" presId="urn:microsoft.com/office/officeart/2005/8/layout/chevron2"/>
+    <dgm:cxn modelId="{6418CF22-FFE1-4F9F-8A8B-A185A04BDDA3}" srcId="{818935BA-6305-4268-A167-179E13474854}" destId="{8D2C9A78-09F2-4D95-824A-108E1D446217}" srcOrd="1" destOrd="0" parTransId="{C83401FF-B7C2-43B7-8BEE-99B70CD6F1F2}" sibTransId="{5C431447-FCD8-4589-9555-27B124691240}"/>
+    <dgm:cxn modelId="{A1080590-DA8F-41FE-BF2E-8EF563EC70BC}" type="presOf" srcId="{6595F6D6-CDAB-40B0-AE78-67E35DE3BC2D}" destId="{F5F65965-E22F-4DCA-A404-C62901E2A237}" srcOrd="0" destOrd="0" presId="urn:microsoft.com/office/officeart/2005/8/layout/chevron2"/>
+    <dgm:cxn modelId="{8A406666-F491-48B2-BDD3-2AC660ACBE4B}" srcId="{6A967938-0C10-4DE5-B2CC-738885272170}" destId="{71529298-F77E-4714-8532-95390F8179C7}" srcOrd="0" destOrd="0" parTransId="{6E3BC6F5-AB04-45B3-B176-9BD1DF847429}" sibTransId="{F7DB714F-0970-4A1D-AA32-8F2FCF7F4C06}"/>
+    <dgm:cxn modelId="{DDD7F86F-F1B9-4A7D-AB3D-79AEEB347827}" type="presOf" srcId="{A232F8B8-A2B6-4278-9932-F4E6ACB18DAC}" destId="{F5F65965-E22F-4DCA-A404-C62901E2A237}" srcOrd="0" destOrd="1" presId="urn:microsoft.com/office/officeart/2005/8/layout/chevron2"/>
+    <dgm:cxn modelId="{E5E4637F-F820-4483-B864-6ABC7C3C720A}" srcId="{CF02BAFA-B428-4ADA-9E06-95758FE1D22F}" destId="{6595F6D6-CDAB-40B0-AE78-67E35DE3BC2D}" srcOrd="0" destOrd="0" parTransId="{8B7317F5-B81A-4338-B75E-9CFA828760F7}" sibTransId="{B577B29A-FC88-4DB2-96AD-B8244792B0DB}"/>
     <dgm:cxn modelId="{D600265E-CEAB-4577-A3F0-42A47254DBA3}" type="presParOf" srcId="{629A7AD1-C5AC-4614-BCAE-E59A3C3DF7E5}" destId="{48B71D23-3B44-4023-8DE0-B3BADAA46199}" srcOrd="0" destOrd="0" presId="urn:microsoft.com/office/officeart/2005/8/layout/chevron2"/>
     <dgm:cxn modelId="{5E7A6F02-5093-4435-9A1D-9784DFD45772}" type="presParOf" srcId="{48B71D23-3B44-4023-8DE0-B3BADAA46199}" destId="{E5A1C1DB-0FBA-4555-97AD-AB1758D58042}" srcOrd="0" destOrd="0" presId="urn:microsoft.com/office/officeart/2005/8/layout/chevron2"/>
     <dgm:cxn modelId="{37D949A3-6E19-46E8-A168-01C363DD0896}" type="presParOf" srcId="{48B71D23-3B44-4023-8DE0-B3BADAA46199}" destId="{2544D096-1754-4719-8701-6AA7A395AE52}" srcOrd="1" destOrd="0" presId="urn:microsoft.com/office/officeart/2005/8/layout/chevron2"/>
@@ -2587,7 +2664,7 @@
         </a:bodyPr>
         <a:lstStyle/>
         <a:p>
-          <a:pPr marL="0" lvl="0" indent="0" algn="l" defTabSz="1822450">
+          <a:pPr lvl="0" algn="l" defTabSz="1822450">
             <a:lnSpc>
               <a:spcPct val="90000"/>
             </a:lnSpc>
@@ -2597,7 +2674,6 @@
             <a:spcAft>
               <a:spcPct val="35000"/>
             </a:spcAft>
-            <a:buNone/>
           </a:pPr>
           <a:r>
             <a:rPr lang="en-US" sz="4100" kern="1200">
@@ -2753,7 +2829,7 @@
         </a:bodyPr>
         <a:lstStyle/>
         <a:p>
-          <a:pPr marL="0" lvl="0" indent="0" algn="l" defTabSz="1822450">
+          <a:pPr lvl="0" algn="l" defTabSz="1822450">
             <a:lnSpc>
               <a:spcPct val="90000"/>
             </a:lnSpc>
@@ -2763,7 +2839,6 @@
             <a:spcAft>
               <a:spcPct val="35000"/>
             </a:spcAft>
-            <a:buNone/>
           </a:pPr>
           <a:r>
             <a:rPr lang="en-US" sz="4100" kern="1200">
@@ -2919,7 +2994,7 @@
         </a:bodyPr>
         <a:lstStyle/>
         <a:p>
-          <a:pPr marL="0" lvl="0" indent="0" algn="l" defTabSz="1822450">
+          <a:pPr lvl="0" algn="l" defTabSz="1822450">
             <a:lnSpc>
               <a:spcPct val="90000"/>
             </a:lnSpc>
@@ -2929,7 +3004,6 @@
             <a:spcAft>
               <a:spcPct val="35000"/>
             </a:spcAft>
-            <a:buNone/>
           </a:pPr>
           <a:r>
             <a:rPr lang="en-US" sz="4100" kern="1200">
@@ -3105,7 +3179,7 @@
         </a:bodyPr>
         <a:lstStyle/>
         <a:p>
-          <a:pPr marL="0" lvl="0" indent="0" algn="ctr" defTabSz="800100">
+          <a:pPr lvl="0" algn="ctr" defTabSz="800100">
             <a:lnSpc>
               <a:spcPct val="90000"/>
             </a:lnSpc>
@@ -3115,7 +3189,6 @@
             <a:spcAft>
               <a:spcPct val="35000"/>
             </a:spcAft>
-            <a:buNone/>
           </a:pPr>
           <a:r>
             <a:rPr lang="en-US" sz="1800" kern="1200">
@@ -3194,7 +3267,7 @@
             <a:spcAft>
               <a:spcPct val="15000"/>
             </a:spcAft>
-            <a:buChar char="•"/>
+            <a:buChar char="••"/>
           </a:pPr>
           <a:r>
             <a:rPr lang="en-US" sz="1800" kern="1200">
@@ -3216,7 +3289,7 @@
             <a:spcAft>
               <a:spcPct val="15000"/>
             </a:spcAft>
-            <a:buChar char="•"/>
+            <a:buChar char="••"/>
           </a:pPr>
           <a:r>
             <a:rPr lang="en-US" sz="1800" kern="1200">
@@ -3333,7 +3406,7 @@
         </a:bodyPr>
         <a:lstStyle/>
         <a:p>
-          <a:pPr marL="0" lvl="0" indent="0" algn="ctr" defTabSz="800100">
+          <a:pPr lvl="0" algn="ctr" defTabSz="800100">
             <a:lnSpc>
               <a:spcPct val="90000"/>
             </a:lnSpc>
@@ -3343,7 +3416,6 @@
             <a:spcAft>
               <a:spcPct val="35000"/>
             </a:spcAft>
-            <a:buNone/>
           </a:pPr>
           <a:r>
             <a:rPr lang="en-US" sz="1800" kern="1200">
@@ -3422,7 +3494,7 @@
             <a:spcAft>
               <a:spcPct val="15000"/>
             </a:spcAft>
-            <a:buChar char="•"/>
+            <a:buChar char="••"/>
           </a:pPr>
           <a:r>
             <a:rPr lang="en-US" sz="1800" kern="1200"/>
@@ -3440,7 +3512,7 @@
             <a:spcAft>
               <a:spcPct val="15000"/>
             </a:spcAft>
-            <a:buChar char="•"/>
+            <a:buChar char="••"/>
           </a:pPr>
           <a:r>
             <a:rPr lang="en-US" sz="1800" kern="1200"/>
@@ -3458,7 +3530,7 @@
             <a:spcAft>
               <a:spcPct val="15000"/>
             </a:spcAft>
-            <a:buChar char="•"/>
+            <a:buChar char="••"/>
           </a:pPr>
           <a:r>
             <a:rPr lang="en-US" sz="1800" kern="1200"/>
@@ -3572,7 +3644,7 @@
         </a:bodyPr>
         <a:lstStyle/>
         <a:p>
-          <a:pPr marL="0" lvl="0" indent="0" algn="ctr" defTabSz="800100">
+          <a:pPr lvl="0" algn="ctr" defTabSz="800100">
             <a:lnSpc>
               <a:spcPct val="90000"/>
             </a:lnSpc>
@@ -3582,7 +3654,6 @@
             <a:spcAft>
               <a:spcPct val="35000"/>
             </a:spcAft>
-            <a:buNone/>
           </a:pPr>
           <a:r>
             <a:rPr lang="en-US" sz="1800" kern="1200">
@@ -3661,7 +3732,7 @@
             <a:spcAft>
               <a:spcPct val="15000"/>
             </a:spcAft>
-            <a:buChar char="•"/>
+            <a:buChar char="••"/>
           </a:pPr>
           <a:r>
             <a:rPr lang="en-US" sz="1800" kern="1200"/>
@@ -3679,7 +3750,7 @@
             <a:spcAft>
               <a:spcPct val="15000"/>
             </a:spcAft>
-            <a:buChar char="•"/>
+            <a:buChar char="••"/>
           </a:pPr>
           <a:r>
             <a:rPr lang="en-US" sz="1800" kern="1200"/>
@@ -7380,7 +7451,7 @@
           <a:p>
             <a:fld id="{4E1C8B97-B0A2-485C-87FE-11AB7A2C2051}" type="datetimeFigureOut">
               <a:rPr lang="en-US" smtClean="0"/>
-              <a:t>4/2/2021</a:t>
+              <a:t>12/18/2021</a:t>
             </a:fld>
             <a:endParaRPr lang="en-US"/>
           </a:p>
@@ -8164,6 +8235,10 @@
               </a:rPr>
               <a:t>Có thể đây là câu hỏi hơi thừa, nhưng mình vẫn đề cập để biết đâu được một số bạn lại cần tới nó vì đơn giản thừa vẫn hơn là thiếu thông tin</a:t>
             </a:r>
+            <a:r>
+              <a:rPr lang="vi-VN"/>
+              <a:t/>
+            </a:r>
             <a:br>
               <a:rPr lang="vi-VN"/>
             </a:br>
@@ -8203,6 +8278,10 @@
               </a:rPr>
               <a:t>. Còn 2 dòng module sim800C và SIM800L do được lược bỏ 1 số chức năng về phần cứng nên có thể bạn sẽ gặp đôi chút rắc rối. Nhưng nếu bạn đã lỡ mua rồi thì không sao đâu nhé, cứ yên tâm sử dụng , có gặp lỗi thì từ từ giải quyết nó thôi.</a:t>
             </a:r>
+            <a:r>
+              <a:rPr lang="vi-VN"/>
+              <a:t/>
+            </a:r>
             <a:br>
               <a:rPr lang="vi-VN"/>
             </a:br>
@@ -8265,6 +8344,10 @@
                 <a:cs typeface="+mn-cs"/>
               </a:rPr>
               <a:t> mà nguồn này thì không thông dụng và chúng ta lại phải sử dụng thêm mạch hạ áp rời.</a:t>
+            </a:r>
+            <a:r>
+              <a:rPr lang="vi-VN"/>
+              <a:t/>
             </a:r>
             <a:br>
               <a:rPr lang="vi-VN"/>
@@ -8562,6 +8645,10 @@
               </a:rPr>
               <a:t>Có thể đây là câu hỏi hơi thừa, nhưng mình vẫn đề cập để biết đâu được một số bạn lại cần tới nó vì đơn giản thừa vẫn hơn là thiếu thông tin</a:t>
             </a:r>
+            <a:r>
+              <a:rPr lang="vi-VN"/>
+              <a:t/>
+            </a:r>
             <a:br>
               <a:rPr lang="vi-VN"/>
             </a:br>
@@ -8601,6 +8688,10 @@
               </a:rPr>
               <a:t>. Còn 2 dòng module sim800C và SIM800L do được lược bỏ 1 số chức năng về phần cứng nên có thể bạn sẽ gặp đôi chút rắc rối. Nhưng nếu bạn đã lỡ mua rồi thì không sao đâu nhé, cứ yên tâm sử dụng , có gặp lỗi thì từ từ giải quyết nó thôi.</a:t>
             </a:r>
+            <a:r>
+              <a:rPr lang="vi-VN"/>
+              <a:t/>
+            </a:r>
             <a:br>
               <a:rPr lang="vi-VN"/>
             </a:br>
@@ -8663,6 +8754,10 @@
                 <a:cs typeface="+mn-cs"/>
               </a:rPr>
               <a:t> mà nguồn này thì không thông dụng và chúng ta lại phải sử dụng thêm mạch hạ áp rời.</a:t>
+            </a:r>
+            <a:r>
+              <a:rPr lang="vi-VN"/>
+              <a:t/>
             </a:r>
             <a:br>
               <a:rPr lang="vi-VN"/>
@@ -9148,7 +9243,7 @@
           <a:p>
             <a:fld id="{9184DA70-C731-4C70-880D-CCD4705E623C}" type="datetime1">
               <a:rPr lang="en-US" smtClean="0"/>
-              <a:t>4/2/2021</a:t>
+              <a:t>12/18/2021</a:t>
             </a:fld>
             <a:endParaRPr lang="en-US" dirty="0"/>
           </a:p>
@@ -9336,7 +9431,7 @@
           <a:p>
             <a:fld id="{B612A279-0833-481D-8C56-F67FD0AC6C50}" type="datetime1">
               <a:rPr lang="en-US" smtClean="0"/>
-              <a:t>4/2/2021</a:t>
+              <a:t>12/18/2021</a:t>
             </a:fld>
             <a:endParaRPr lang="en-US" dirty="0"/>
           </a:p>
@@ -9578,7 +9673,7 @@
           <a:p>
             <a:fld id="{6587DA83-5663-4C9C-B9AA-0B40A3DAFF81}" type="datetime1">
               <a:rPr lang="en-US" smtClean="0"/>
-              <a:t>4/2/2021</a:t>
+              <a:t>12/18/2021</a:t>
             </a:fld>
             <a:endParaRPr lang="en-US" dirty="0"/>
           </a:p>
@@ -9766,7 +9861,7 @@
           <a:p>
             <a:fld id="{4BE1D723-8F53-4F53-90B0-1982A396982E}" type="datetime1">
               <a:rPr lang="en-US" smtClean="0"/>
-              <a:t>4/2/2021</a:t>
+              <a:t>12/18/2021</a:t>
             </a:fld>
             <a:endParaRPr lang="en-US" dirty="0"/>
           </a:p>
@@ -10139,7 +10234,7 @@
           <a:p>
             <a:fld id="{97669AF7-7BEB-44E4-9852-375E34362B5B}" type="datetime1">
               <a:rPr lang="en-US" smtClean="0"/>
-              <a:t>4/2/2021</a:t>
+              <a:t>12/18/2021</a:t>
             </a:fld>
             <a:endParaRPr lang="en-US" dirty="0"/>
           </a:p>
@@ -10394,7 +10489,7 @@
           <a:p>
             <a:fld id="{BAAAC38D-0552-4C82-B593-E6124DFADBE2}" type="datetime1">
               <a:rPr lang="en-US" smtClean="0"/>
-              <a:t>4/2/2021</a:t>
+              <a:t>12/18/2021</a:t>
             </a:fld>
             <a:endParaRPr lang="en-US" dirty="0"/>
           </a:p>
@@ -10791,7 +10886,7 @@
           <a:p>
             <a:fld id="{D9DF0F1C-5577-4ACB-BB62-DF8F3C494C7E}" type="datetime1">
               <a:rPr lang="en-US" smtClean="0"/>
-              <a:t>4/2/2021</a:t>
+              <a:t>12/18/2021</a:t>
             </a:fld>
             <a:endParaRPr lang="en-US" dirty="0"/>
           </a:p>
@@ -10927,7 +11022,7 @@
           <a:p>
             <a:fld id="{1775B394-D9F9-4F0C-B15D-605F45CB9E9F}" type="datetime1">
               <a:rPr lang="en-US" smtClean="0"/>
-              <a:t>4/2/2021</a:t>
+              <a:t>12/18/2021</a:t>
             </a:fld>
             <a:endParaRPr lang="en-US" dirty="0"/>
           </a:p>
@@ -11084,7 +11179,7 @@
           <a:p>
             <a:fld id="{39667345-2558-425A-8533-9BFDBCE15005}" type="datetime1">
               <a:rPr lang="en-US" smtClean="0"/>
-              <a:t>4/2/2021</a:t>
+              <a:t>12/18/2021</a:t>
             </a:fld>
             <a:endParaRPr lang="en-US" dirty="0"/>
           </a:p>
@@ -11413,7 +11508,7 @@
           <a:p>
             <a:fld id="{92BEA474-078D-4E9B-9B14-09A87B19DC46}" type="datetime1">
               <a:rPr lang="en-US" smtClean="0"/>
-              <a:t>4/2/2021</a:t>
+              <a:t>12/18/2021</a:t>
             </a:fld>
             <a:endParaRPr lang="en-US" dirty="0"/>
           </a:p>
@@ -11763,7 +11858,7 @@
           <a:p>
             <a:fld id="{4907D986-8816-4272-A432-0437A28A9828}" type="datetime1">
               <a:rPr lang="en-US" smtClean="0"/>
-              <a:t>4/2/2021</a:t>
+              <a:t>12/18/2021</a:t>
             </a:fld>
             <a:endParaRPr lang="en-US" dirty="0"/>
           </a:p>
@@ -12024,7 +12119,7 @@
           <a:p>
             <a:fld id="{62D6E202-B606-4609-B914-27C9371A1F6D}" type="datetime1">
               <a:rPr lang="en-US" smtClean="0"/>
-              <a:t>4/2/2021</a:t>
+              <a:t>12/18/2021</a:t>
             </a:fld>
             <a:endParaRPr lang="en-US" dirty="0"/>
           </a:p>
@@ -12563,7 +12658,7 @@
                 <a16:creationId xmlns:a16="http://schemas.microsoft.com/office/drawing/2014/main" id="{54DCD9B2-D552-47A6-9FE2-15D7E8159AB6}"/>
               </a:ext>
               <a:ext uri="{C183D7F6-B498-43B3-948B-1728B52AA6E4}">
-                <adec:decorative xmlns:adec="http://schemas.microsoft.com/office/drawing/2017/decorative" val="1"/>
+                <adec:decorative xmlns:adec="http://schemas.microsoft.com/office/drawing/2017/decorative" xmlns="" val="1"/>
               </a:ext>
             </a:extLst>
           </p:cNvPr>
@@ -12745,7 +12840,7 @@
                 <a16:creationId xmlns:a16="http://schemas.microsoft.com/office/drawing/2014/main" id="{FCE0A9EA-62FA-4F43-BEF6-7BBBB3F90F25}"/>
               </a:ext>
               <a:ext uri="{C183D7F6-B498-43B3-948B-1728B52AA6E4}">
-                <adec:decorative xmlns:adec="http://schemas.microsoft.com/office/drawing/2017/decorative" val="1"/>
+                <adec:decorative xmlns:adec="http://schemas.microsoft.com/office/drawing/2017/decorative" xmlns="" val="1"/>
               </a:ext>
             </a:extLst>
           </p:cNvPr>
@@ -12800,7 +12895,7 @@
                 <a16:creationId xmlns:a16="http://schemas.microsoft.com/office/drawing/2014/main" id="{CCE25F7F-C10E-4478-90C0-93B61E638386}"/>
               </a:ext>
               <a:ext uri="{C183D7F6-B498-43B3-948B-1728B52AA6E4}">
-                <adec:decorative xmlns:adec="http://schemas.microsoft.com/office/drawing/2017/decorative" val="1"/>
+                <adec:decorative xmlns:adec="http://schemas.microsoft.com/office/drawing/2017/decorative" xmlns="" val="1"/>
               </a:ext>
             </a:extLst>
           </p:cNvPr>
@@ -13813,7 +13908,7 @@
               <a:buChar char="•"/>
             </a:pPr>
             <a:r>
-              <a:rPr lang="vi-VN" sz="2000" b="1">
+              <a:rPr lang="vi-VN" sz="2000" b="1" dirty="0">
                 <a:latin typeface="+mj-lt"/>
               </a:rPr>
               <a:t>AT : Kiểm tra module có hoạt động không</a:t>
@@ -13821,25 +13916,25 @@
           </a:p>
           <a:p>
             <a:r>
-              <a:rPr lang="en-US" sz="2000" b="1">
+              <a:rPr lang="en-US" sz="2000" b="1" dirty="0">
                 <a:latin typeface="+mj-lt"/>
               </a:rPr>
               <a:t>	</a:t>
             </a:r>
             <a:r>
-              <a:rPr lang="vi-VN" sz="2000" i="1">
+              <a:rPr lang="vi-VN" sz="2000" i="1" dirty="0">
                 <a:latin typeface="+mj-lt"/>
               </a:rPr>
               <a:t>Trả về: OK nếu hoạt động bình thường, báo lỗi hoặc </a:t>
             </a:r>
             <a:r>
-              <a:rPr lang="en-US" sz="2000" i="1">
+              <a:rPr lang="en-US" sz="2000" i="1" dirty="0">
                 <a:latin typeface="+mj-lt"/>
               </a:rPr>
               <a:t>	</a:t>
             </a:r>
             <a:r>
-              <a:rPr lang="vi-VN" sz="2000" i="1">
+              <a:rPr lang="vi-VN" sz="2000" i="1" dirty="0">
                 <a:latin typeface="+mj-lt"/>
               </a:rPr>
               <a:t>không trả về nếu có lỗi xảy ra</a:t>
@@ -13851,7 +13946,7 @@
               <a:buChar char="•"/>
             </a:pPr>
             <a:r>
-              <a:rPr lang="vi-VN" sz="2000" b="1">
+              <a:rPr lang="vi-VN" sz="2000" b="1" dirty="0">
                 <a:latin typeface="+mj-lt"/>
               </a:rPr>
               <a:t>ATEx : Bật (x=1) hoặc tắt (x=0) chế độ phản hồi lệnh vừa gửi (nên tắt đi)</a:t>
@@ -13863,7 +13958,7 @@
               <a:buChar char="•"/>
             </a:pPr>
             <a:r>
-              <a:rPr lang="vi-VN" sz="2000" b="1">
+              <a:rPr lang="vi-VN" sz="2000" b="1" dirty="0">
                 <a:latin typeface="+mj-lt"/>
               </a:rPr>
               <a:t>AT+CPIN? : Kiểm tra Simcard</a:t>
@@ -13871,13 +13966,13 @@
           </a:p>
           <a:p>
             <a:r>
-              <a:rPr lang="en-US" sz="2000" b="1">
+              <a:rPr lang="en-US" sz="2000" b="1" dirty="0">
                 <a:latin typeface="+mj-lt"/>
               </a:rPr>
               <a:t>	</a:t>
             </a:r>
             <a:r>
-              <a:rPr lang="vi-VN" sz="2000" i="1">
+              <a:rPr lang="vi-VN" sz="2000" i="1" dirty="0">
                 <a:latin typeface="+mj-lt"/>
               </a:rPr>
               <a:t>Trả về: +CPIN: READY OK (nếu tìm thấy simcard)</a:t>
@@ -13889,7 +13984,7 @@
               <a:buChar char="•"/>
             </a:pPr>
             <a:r>
-              <a:rPr lang="vi-VN" sz="2000" b="1">
+              <a:rPr lang="vi-VN" sz="2000" b="1" dirty="0">
                 <a:latin typeface="+mj-lt"/>
               </a:rPr>
               <a:t>AT+CSQ : Kiểm tra chất lượng sóng</a:t>
@@ -13897,13 +13992,13 @@
           </a:p>
           <a:p>
             <a:r>
-              <a:rPr lang="en-US" sz="2000" b="1">
+              <a:rPr lang="en-US" sz="2000" b="1" dirty="0">
                 <a:latin typeface="+mj-lt"/>
               </a:rPr>
               <a:t>	</a:t>
             </a:r>
             <a:r>
-              <a:rPr lang="vi-VN" sz="2000" i="1">
+              <a:rPr lang="vi-VN" sz="2000" i="1" dirty="0">
                 <a:latin typeface="+mj-lt"/>
               </a:rPr>
               <a:t>Trả về: +CSQ: xx,0 OK (xx là chất lượng sóng, tối đa là 31)</a:t>
@@ -13915,7 +14010,7 @@
               <a:buChar char="•"/>
             </a:pPr>
             <a:r>
-              <a:rPr lang="vi-VN" sz="2000" b="1">
+              <a:rPr lang="vi-VN" sz="2000" b="1" dirty="0">
                 <a:latin typeface="+mj-lt"/>
               </a:rPr>
               <a:t>AT+COPS? : Kiểm tra tên nhà mạng</a:t>
@@ -13923,19 +14018,19 @@
           </a:p>
           <a:p>
             <a:r>
-              <a:rPr lang="en-US" sz="2000" b="1">
+              <a:rPr lang="en-US" sz="2000" b="1" dirty="0">
                 <a:latin typeface="+mj-lt"/>
               </a:rPr>
               <a:t>	</a:t>
             </a:r>
             <a:r>
-              <a:rPr lang="vi-VN" sz="2000" i="1">
+              <a:rPr lang="vi-VN" sz="2000" i="1" dirty="0">
                 <a:latin typeface="+mj-lt"/>
               </a:rPr>
               <a:t>Trả về: +COPS: 0,0,”Viettel Mobile” OK (nhận dạng </a:t>
             </a:r>
             <a:r>
-              <a:rPr lang="vi-VN" sz="2000" b="1">
+              <a:rPr lang="vi-VN" sz="2000" b="1" dirty="0">
                 <a:latin typeface="+mj-lt"/>
               </a:rPr>
               <a:t>được nhà mạng là Viettel Mobile)</a:t>
@@ -13943,18 +14038,18 @@
           </a:p>
           <a:p>
             <a:r>
-              <a:rPr lang="en-US" sz="2000" b="1">
+              <a:rPr lang="en-US" sz="2000" b="1" dirty="0">
                 <a:latin typeface="+mj-lt"/>
               </a:rPr>
               <a:t>	</a:t>
             </a:r>
             <a:r>
-              <a:rPr lang="vi-VN" sz="2000" i="1">
+              <a:rPr lang="vi-VN" sz="2000" i="1" dirty="0">
                 <a:latin typeface="+mj-lt"/>
               </a:rPr>
               <a:t>Trả về: +COPS: 0 (không thấy nhà mạng)</a:t>
             </a:r>
-            <a:endParaRPr lang="vi-VN" sz="2000" i="1">
+            <a:endParaRPr lang="vi-VN" sz="2000" i="1" dirty="0">
               <a:effectLst/>
               <a:latin typeface="+mj-lt"/>
             </a:endParaRPr>
@@ -14124,7 +14219,7 @@
         <p:spPr>
           <a:xfrm>
             <a:off x="3483428" y="2459502"/>
-            <a:ext cx="6654982" cy="1938992"/>
+            <a:ext cx="6654982" cy="2246769"/>
           </a:xfrm>
           <a:prstGeom prst="rect">
             <a:avLst/>
@@ -14141,7 +14236,7 @@
               <a:buChar char="•"/>
             </a:pPr>
             <a:r>
-              <a:rPr lang="vi-VN" sz="2000">
+              <a:rPr lang="vi-VN" sz="2000" dirty="0">
                 <a:latin typeface="Times New Roman" panose="02020603050405020304" pitchFamily="18" charset="0"/>
                 <a:cs typeface="Times New Roman" panose="02020603050405020304" pitchFamily="18" charset="0"/>
               </a:rPr>
@@ -14154,7 +14249,7 @@
               <a:buChar char="•"/>
             </a:pPr>
             <a:r>
-              <a:rPr lang="vi-VN" sz="2000">
+              <a:rPr lang="vi-VN" sz="2000" dirty="0">
                 <a:latin typeface="Times New Roman" panose="02020603050405020304" pitchFamily="18" charset="0"/>
                 <a:cs typeface="Times New Roman" panose="02020603050405020304" pitchFamily="18" charset="0"/>
               </a:rPr>
@@ -14167,7 +14262,7 @@
               <a:buChar char="•"/>
             </a:pPr>
             <a:r>
-              <a:rPr lang="vi-VN" sz="2000">
+              <a:rPr lang="vi-VN" sz="2000" dirty="0">
                 <a:latin typeface="Times New Roman" panose="02020603050405020304" pitchFamily="18" charset="0"/>
                 <a:cs typeface="Times New Roman" panose="02020603050405020304" pitchFamily="18" charset="0"/>
               </a:rPr>
@@ -14180,11 +14275,32 @@
               <a:buChar char="•"/>
             </a:pPr>
             <a:r>
-              <a:rPr lang="vi-VN" sz="2000">
+              <a:rPr lang="vi-VN" sz="2000" dirty="0" smtClean="0">
                 <a:latin typeface="Times New Roman" panose="02020603050405020304" pitchFamily="18" charset="0"/>
                 <a:cs typeface="Times New Roman" panose="02020603050405020304" pitchFamily="18" charset="0"/>
               </a:rPr>
-              <a:t>AT+CUSD=1 : Chuyển chế độ USD để tra số dư tài khoản</a:t>
+              <a:t>AT+CUSD=1</a:t>
+            </a:r>
+            <a:r>
+              <a:rPr lang="en-US" sz="2000" dirty="0" smtClean="0">
+                <a:latin typeface="Times New Roman" panose="02020603050405020304" pitchFamily="18" charset="0"/>
+                <a:cs typeface="Times New Roman" panose="02020603050405020304" pitchFamily="18" charset="0"/>
+              </a:rPr>
+              <a:t>,”*101##”</a:t>
+            </a:r>
+            <a:r>
+              <a:rPr lang="vi-VN" sz="2000" dirty="0" smtClean="0">
+                <a:latin typeface="Times New Roman" panose="02020603050405020304" pitchFamily="18" charset="0"/>
+                <a:cs typeface="Times New Roman" panose="02020603050405020304" pitchFamily="18" charset="0"/>
+              </a:rPr>
+              <a:t> </a:t>
+            </a:r>
+            <a:r>
+              <a:rPr lang="vi-VN" sz="2000" dirty="0">
+                <a:latin typeface="Times New Roman" panose="02020603050405020304" pitchFamily="18" charset="0"/>
+                <a:cs typeface="Times New Roman" panose="02020603050405020304" pitchFamily="18" charset="0"/>
+              </a:rPr>
+              <a:t>: Chuyển chế độ USD để tra số dư tài khoản</a:t>
             </a:r>
           </a:p>
           <a:p>
@@ -14193,7 +14309,7 @@
               <a:buChar char="•"/>
             </a:pPr>
             <a:r>
-              <a:rPr lang="vi-VN" sz="2000">
+              <a:rPr lang="vi-VN" sz="2000" dirty="0">
                 <a:latin typeface="Times New Roman" panose="02020603050405020304" pitchFamily="18" charset="0"/>
                 <a:cs typeface="Times New Roman" panose="02020603050405020304" pitchFamily="18" charset="0"/>
               </a:rPr>
@@ -14202,14 +14318,14 @@
           </a:p>
           <a:p>
             <a:r>
-              <a:rPr lang="en-US" sz="2000">
+              <a:rPr lang="en-US" sz="2000" dirty="0">
                 <a:latin typeface="Times New Roman" panose="02020603050405020304" pitchFamily="18" charset="0"/>
                 <a:cs typeface="Times New Roman" panose="02020603050405020304" pitchFamily="18" charset="0"/>
               </a:rPr>
               <a:t>	</a:t>
             </a:r>
             <a:r>
-              <a:rPr lang="vi-VN" sz="2000">
+              <a:rPr lang="vi-VN" sz="2000" dirty="0">
                 <a:latin typeface="Times New Roman" panose="02020603050405020304" pitchFamily="18" charset="0"/>
                 <a:cs typeface="Times New Roman" panose="02020603050405020304" pitchFamily="18" charset="0"/>
               </a:rPr>
@@ -14270,11 +14386,32 @@
           <a:lstStyle/>
           <a:p>
             <a:r>
+              <a:rPr lang="en-US" dirty="0" err="1">
+                <a:latin typeface="Times New Roman" panose="02020603050405020304" pitchFamily="18" charset="0"/>
+                <a:cs typeface="Times New Roman" panose="02020603050405020304" pitchFamily="18" charset="0"/>
+              </a:rPr>
+              <a:t>Tập</a:t>
+            </a:r>
+            <a:r>
+              <a:rPr lang="en-US" dirty="0">
+                <a:latin typeface="Times New Roman" panose="02020603050405020304" pitchFamily="18" charset="0"/>
+                <a:cs typeface="Times New Roman" panose="02020603050405020304" pitchFamily="18" charset="0"/>
+              </a:rPr>
+              <a:t> </a:t>
+            </a:r>
+            <a:r>
+              <a:rPr lang="en-US" dirty="0" err="1">
+                <a:latin typeface="Times New Roman" panose="02020603050405020304" pitchFamily="18" charset="0"/>
+                <a:cs typeface="Times New Roman" panose="02020603050405020304" pitchFamily="18" charset="0"/>
+              </a:rPr>
+              <a:t>lệnh</a:t>
+            </a:r>
+            <a:r>
               <a:rPr lang="en-US">
                 <a:latin typeface="Times New Roman" panose="02020603050405020304" pitchFamily="18" charset="0"/>
                 <a:cs typeface="Times New Roman" panose="02020603050405020304" pitchFamily="18" charset="0"/>
               </a:rPr>
-              <a:t>Tập lệnh AT + Module SIM 800L</a:t>
+              <a:t> AT + Module SIM 800L</a:t>
             </a:r>
           </a:p>
         </p:txBody>
@@ -14381,7 +14518,7 @@
         <p:spPr>
           <a:xfrm>
             <a:off x="2695766" y="2322285"/>
-            <a:ext cx="8563430" cy="3477875"/>
+            <a:ext cx="8563430" cy="4401205"/>
           </a:xfrm>
           <a:prstGeom prst="rect">
             <a:avLst/>
@@ -14398,12 +14535,23 @@
               <a:buChar char="•"/>
             </a:pPr>
             <a:r>
-              <a:rPr lang="vi-VN" sz="2000" b="1">
+              <a:rPr lang="vi-VN" sz="2000" b="1" dirty="0">
                 <a:latin typeface="Times New Roman" panose="02020603050405020304" pitchFamily="18" charset="0"/>
                 <a:cs typeface="Times New Roman" panose="02020603050405020304" pitchFamily="18" charset="0"/>
               </a:rPr>
-              <a:t>AT+CMGF=x : Cấu hình tin nhắn (x=0: DPU, x=1:dạng ký tự)</a:t>
-            </a:r>
+              <a:t>AT+CMGF=x : Cấu hình tin nhắn (x=0: DPU, x=1:dạng ký tự</a:t>
+            </a:r>
+            <a:r>
+              <a:rPr lang="vi-VN" sz="2000" b="1" dirty="0" smtClean="0">
+                <a:latin typeface="Times New Roman" panose="02020603050405020304" pitchFamily="18" charset="0"/>
+                <a:cs typeface="Times New Roman" panose="02020603050405020304" pitchFamily="18" charset="0"/>
+              </a:rPr>
+              <a:t>)</a:t>
+            </a:r>
+            <a:endParaRPr lang="en-US" sz="2000" b="1" dirty="0" smtClean="0">
+              <a:latin typeface="Times New Roman" panose="02020603050405020304" pitchFamily="18" charset="0"/>
+              <a:cs typeface="Times New Roman" panose="02020603050405020304" pitchFamily="18" charset="0"/>
+            </a:endParaRPr>
           </a:p>
           <a:p>
             <a:pPr marL="285750" indent="-285750">
@@ -14411,7 +14559,87 @@
               <a:buChar char="•"/>
             </a:pPr>
             <a:r>
-              <a:rPr lang="vi-VN" sz="2000" b="1">
+              <a:rPr lang="en-US" sz="2000" b="1" dirty="0" smtClean="0">
+                <a:latin typeface="Times New Roman" panose="02020603050405020304" pitchFamily="18" charset="0"/>
+                <a:cs typeface="Times New Roman" panose="02020603050405020304" pitchFamily="18" charset="0"/>
+              </a:rPr>
+              <a:t>AT+IPR=9600: </a:t>
+            </a:r>
+            <a:r>
+              <a:rPr lang="en-US" sz="2000" b="1" dirty="0" err="1" smtClean="0">
+                <a:latin typeface="Times New Roman" panose="02020603050405020304" pitchFamily="18" charset="0"/>
+                <a:cs typeface="Times New Roman" panose="02020603050405020304" pitchFamily="18" charset="0"/>
+              </a:rPr>
+              <a:t>thay</a:t>
+            </a:r>
+            <a:r>
+              <a:rPr lang="en-US" sz="2000" b="1" dirty="0" smtClean="0">
+                <a:latin typeface="Times New Roman" panose="02020603050405020304" pitchFamily="18" charset="0"/>
+                <a:cs typeface="Times New Roman" panose="02020603050405020304" pitchFamily="18" charset="0"/>
+              </a:rPr>
+              <a:t> </a:t>
+            </a:r>
+            <a:r>
+              <a:rPr lang="en-US" sz="2000" b="1" dirty="0" err="1" smtClean="0">
+                <a:latin typeface="Times New Roman" panose="02020603050405020304" pitchFamily="18" charset="0"/>
+                <a:cs typeface="Times New Roman" panose="02020603050405020304" pitchFamily="18" charset="0"/>
+              </a:rPr>
+              <a:t>đỏi</a:t>
+            </a:r>
+            <a:r>
+              <a:rPr lang="en-US" sz="2000" b="1" dirty="0" smtClean="0">
+                <a:latin typeface="Times New Roman" panose="02020603050405020304" pitchFamily="18" charset="0"/>
+                <a:cs typeface="Times New Roman" panose="02020603050405020304" pitchFamily="18" charset="0"/>
+              </a:rPr>
+              <a:t> </a:t>
+            </a:r>
+            <a:r>
+              <a:rPr lang="en-US" sz="2000" b="1" dirty="0" err="1" smtClean="0">
+                <a:latin typeface="Times New Roman" panose="02020603050405020304" pitchFamily="18" charset="0"/>
+                <a:cs typeface="Times New Roman" panose="02020603050405020304" pitchFamily="18" charset="0"/>
+              </a:rPr>
+              <a:t>tốc</a:t>
+            </a:r>
+            <a:r>
+              <a:rPr lang="en-US" sz="2000" b="1" dirty="0" smtClean="0">
+                <a:latin typeface="Times New Roman" panose="02020603050405020304" pitchFamily="18" charset="0"/>
+                <a:cs typeface="Times New Roman" panose="02020603050405020304" pitchFamily="18" charset="0"/>
+              </a:rPr>
+              <a:t> </a:t>
+            </a:r>
+            <a:r>
+              <a:rPr lang="en-US" sz="2000" b="1" dirty="0" err="1" smtClean="0">
+                <a:latin typeface="Times New Roman" panose="02020603050405020304" pitchFamily="18" charset="0"/>
+                <a:cs typeface="Times New Roman" panose="02020603050405020304" pitchFamily="18" charset="0"/>
+              </a:rPr>
+              <a:t>độ</a:t>
+            </a:r>
+            <a:r>
+              <a:rPr lang="en-US" sz="2000" b="1" dirty="0" smtClean="0">
+                <a:latin typeface="Times New Roman" panose="02020603050405020304" pitchFamily="18" charset="0"/>
+                <a:cs typeface="Times New Roman" panose="02020603050405020304" pitchFamily="18" charset="0"/>
+              </a:rPr>
+              <a:t> </a:t>
+            </a:r>
+            <a:r>
+              <a:rPr lang="en-US" sz="2000" b="1" dirty="0" err="1" smtClean="0">
+                <a:latin typeface="Times New Roman" panose="02020603050405020304" pitchFamily="18" charset="0"/>
+                <a:cs typeface="Times New Roman" panose="02020603050405020304" pitchFamily="18" charset="0"/>
+              </a:rPr>
+              <a:t>boud</a:t>
+            </a:r>
+            <a:endParaRPr lang="vi-VN" sz="2000" b="1" dirty="0">
+              <a:latin typeface="Times New Roman" panose="02020603050405020304" pitchFamily="18" charset="0"/>
+              <a:cs typeface="Times New Roman" panose="02020603050405020304" pitchFamily="18" charset="0"/>
+            </a:endParaRPr>
+          </a:p>
+          <a:p>
+            <a:pPr marL="285750" indent="-285750">
+              <a:buFont typeface="Arial" panose="020B0604020202020204" pitchFamily="34" charset="0"/>
+              <a:buChar char="•"/>
+            </a:pPr>
+            <a:r>
+              <a:rPr lang="vi-VN" sz="2000" b="1" dirty="0">
                 <a:latin typeface="Times New Roman" panose="02020603050405020304" pitchFamily="18" charset="0"/>
                 <a:cs typeface="Times New Roman" panose="02020603050405020304" pitchFamily="18" charset="0"/>
               </a:rPr>
@@ -14420,14 +14648,14 @@
           </a:p>
           <a:p>
             <a:r>
-              <a:rPr lang="en-US" sz="2000">
+              <a:rPr lang="en-US" sz="2000" dirty="0">
                 <a:latin typeface="Times New Roman" panose="02020603050405020304" pitchFamily="18" charset="0"/>
                 <a:cs typeface="Times New Roman" panose="02020603050405020304" pitchFamily="18" charset="0"/>
               </a:rPr>
               <a:t>	</a:t>
             </a:r>
             <a:r>
-              <a:rPr lang="vi-VN" sz="2000">
+              <a:rPr lang="vi-VN" sz="2000" dirty="0">
                 <a:latin typeface="Times New Roman" panose="02020603050405020304" pitchFamily="18" charset="0"/>
                 <a:cs typeface="Times New Roman" panose="02020603050405020304" pitchFamily="18" charset="0"/>
               </a:rPr>
@@ -14436,33 +14664,169 @@
           </a:p>
           <a:p>
             <a:r>
-              <a:rPr lang="en-US" sz="2000">
+              <a:rPr lang="en-US" sz="2000" dirty="0">
                 <a:latin typeface="Times New Roman" panose="02020603050405020304" pitchFamily="18" charset="0"/>
                 <a:cs typeface="Times New Roman" panose="02020603050405020304" pitchFamily="18" charset="0"/>
               </a:rPr>
               <a:t>	</a:t>
             </a:r>
             <a:r>
-              <a:rPr lang="vi-VN" sz="2000">
+              <a:rPr lang="vi-VN" sz="2000" dirty="0">
                 <a:latin typeface="Times New Roman" panose="02020603050405020304" pitchFamily="18" charset="0"/>
                 <a:cs typeface="Times New Roman" panose="02020603050405020304" pitchFamily="18" charset="0"/>
               </a:rPr>
               <a:t>Trả về: +CMT: “+84938380171″,””,”17/07/30,14:48:09+28″</a:t>
             </a:r>
             <a:r>
-              <a:rPr lang="en-US" sz="2000">
+              <a:rPr lang="en-US" sz="2000" dirty="0">
                 <a:latin typeface="Times New Roman" panose="02020603050405020304" pitchFamily="18" charset="0"/>
                 <a:cs typeface="Times New Roman" panose="02020603050405020304" pitchFamily="18" charset="0"/>
               </a:rPr>
               <a:t> </a:t>
             </a:r>
             <a:r>
-              <a:rPr lang="vi-VN" sz="2000">
+              <a:rPr lang="vi-VN" sz="2000" dirty="0" smtClean="0">
                 <a:latin typeface="Times New Roman" panose="02020603050405020304" pitchFamily="18" charset="0"/>
                 <a:cs typeface="Times New Roman" panose="02020603050405020304" pitchFamily="18" charset="0"/>
               </a:rPr>
               <a:t>noidungtinnhan</a:t>
             </a:r>
+            <a:endParaRPr lang="en-US" sz="2000" dirty="0" smtClean="0">
+              <a:latin typeface="Times New Roman" panose="02020603050405020304" pitchFamily="18" charset="0"/>
+              <a:cs typeface="Times New Roman" panose="02020603050405020304" pitchFamily="18" charset="0"/>
+            </a:endParaRPr>
+          </a:p>
+          <a:p>
+            <a:r>
+              <a:rPr lang="en-US" sz="2000" dirty="0" smtClean="0">
+                <a:latin typeface="Times New Roman" panose="02020603050405020304" pitchFamily="18" charset="0"/>
+                <a:cs typeface="Times New Roman" panose="02020603050405020304" pitchFamily="18" charset="0"/>
+              </a:rPr>
+              <a:t>     =&gt;&gt;&gt;&gt;</a:t>
+            </a:r>
+            <a:r>
+              <a:rPr lang="en-US" sz="2000" dirty="0" err="1" smtClean="0">
+                <a:latin typeface="Times New Roman" panose="02020603050405020304" pitchFamily="18" charset="0"/>
+                <a:cs typeface="Times New Roman" panose="02020603050405020304" pitchFamily="18" charset="0"/>
+              </a:rPr>
+              <a:t>Sau</a:t>
+            </a:r>
+            <a:r>
+              <a:rPr lang="en-US" sz="2000" dirty="0" smtClean="0">
+                <a:latin typeface="Times New Roman" panose="02020603050405020304" pitchFamily="18" charset="0"/>
+                <a:cs typeface="Times New Roman" panose="02020603050405020304" pitchFamily="18" charset="0"/>
+              </a:rPr>
+              <a:t> </a:t>
+            </a:r>
+            <a:r>
+              <a:rPr lang="en-US" sz="2000" dirty="0" err="1" smtClean="0">
+                <a:latin typeface="Times New Roman" panose="02020603050405020304" pitchFamily="18" charset="0"/>
+                <a:cs typeface="Times New Roman" panose="02020603050405020304" pitchFamily="18" charset="0"/>
+              </a:rPr>
+              <a:t>đó</a:t>
+            </a:r>
+            <a:r>
+              <a:rPr lang="en-US" sz="2000" dirty="0" smtClean="0">
+                <a:latin typeface="Times New Roman" panose="02020603050405020304" pitchFamily="18" charset="0"/>
+                <a:cs typeface="Times New Roman" panose="02020603050405020304" pitchFamily="18" charset="0"/>
+              </a:rPr>
+              <a:t> AT&amp;W : </a:t>
+            </a:r>
+            <a:r>
+              <a:rPr lang="en-US" sz="2000" dirty="0" err="1" smtClean="0">
+                <a:latin typeface="Times New Roman" panose="02020603050405020304" pitchFamily="18" charset="0"/>
+                <a:cs typeface="Times New Roman" panose="02020603050405020304" pitchFamily="18" charset="0"/>
+              </a:rPr>
+              <a:t>lưu</a:t>
+            </a:r>
+            <a:r>
+              <a:rPr lang="en-US" sz="2000" dirty="0" smtClean="0">
+                <a:latin typeface="Times New Roman" panose="02020603050405020304" pitchFamily="18" charset="0"/>
+                <a:cs typeface="Times New Roman" panose="02020603050405020304" pitchFamily="18" charset="0"/>
+              </a:rPr>
+              <a:t> </a:t>
+            </a:r>
+            <a:r>
+              <a:rPr lang="en-US" sz="2000" dirty="0" err="1" smtClean="0">
+                <a:latin typeface="Times New Roman" panose="02020603050405020304" pitchFamily="18" charset="0"/>
+                <a:cs typeface="Times New Roman" panose="02020603050405020304" pitchFamily="18" charset="0"/>
+              </a:rPr>
+              <a:t>các</a:t>
+            </a:r>
+            <a:r>
+              <a:rPr lang="en-US" sz="2000" dirty="0" smtClean="0">
+                <a:latin typeface="Times New Roman" panose="02020603050405020304" pitchFamily="18" charset="0"/>
+                <a:cs typeface="Times New Roman" panose="02020603050405020304" pitchFamily="18" charset="0"/>
+              </a:rPr>
+              <a:t> </a:t>
+            </a:r>
+            <a:r>
+              <a:rPr lang="en-US" sz="2000" dirty="0" err="1" smtClean="0">
+                <a:latin typeface="Times New Roman" panose="02020603050405020304" pitchFamily="18" charset="0"/>
+                <a:cs typeface="Times New Roman" panose="02020603050405020304" pitchFamily="18" charset="0"/>
+              </a:rPr>
+              <a:t>cái</a:t>
+            </a:r>
+            <a:r>
+              <a:rPr lang="en-US" sz="2000" dirty="0" smtClean="0">
+                <a:latin typeface="Times New Roman" panose="02020603050405020304" pitchFamily="18" charset="0"/>
+                <a:cs typeface="Times New Roman" panose="02020603050405020304" pitchFamily="18" charset="0"/>
+              </a:rPr>
+              <a:t> </a:t>
+            </a:r>
+            <a:r>
+              <a:rPr lang="en-US" sz="2000" dirty="0" err="1" smtClean="0">
+                <a:latin typeface="Times New Roman" panose="02020603050405020304" pitchFamily="18" charset="0"/>
+                <a:cs typeface="Times New Roman" panose="02020603050405020304" pitchFamily="18" charset="0"/>
+              </a:rPr>
+              <a:t>mk</a:t>
+            </a:r>
+            <a:r>
+              <a:rPr lang="en-US" sz="2000" dirty="0" smtClean="0">
+                <a:latin typeface="Times New Roman" panose="02020603050405020304" pitchFamily="18" charset="0"/>
+                <a:cs typeface="Times New Roman" panose="02020603050405020304" pitchFamily="18" charset="0"/>
+              </a:rPr>
+              <a:t> </a:t>
+            </a:r>
+            <a:r>
+              <a:rPr lang="en-US" sz="2000" dirty="0" err="1" smtClean="0">
+                <a:latin typeface="Times New Roman" panose="02020603050405020304" pitchFamily="18" charset="0"/>
+                <a:cs typeface="Times New Roman" panose="02020603050405020304" pitchFamily="18" charset="0"/>
+              </a:rPr>
+              <a:t>đã</a:t>
+            </a:r>
+            <a:r>
+              <a:rPr lang="en-US" sz="2000" dirty="0" smtClean="0">
+                <a:latin typeface="Times New Roman" panose="02020603050405020304" pitchFamily="18" charset="0"/>
+                <a:cs typeface="Times New Roman" panose="02020603050405020304" pitchFamily="18" charset="0"/>
+              </a:rPr>
+              <a:t> </a:t>
+            </a:r>
+            <a:r>
+              <a:rPr lang="en-US" sz="2000" dirty="0" err="1" smtClean="0">
+                <a:latin typeface="Times New Roman" panose="02020603050405020304" pitchFamily="18" charset="0"/>
+                <a:cs typeface="Times New Roman" panose="02020603050405020304" pitchFamily="18" charset="0"/>
+              </a:rPr>
+              <a:t>cấu</a:t>
+            </a:r>
+            <a:r>
+              <a:rPr lang="en-US" sz="2000" dirty="0" smtClean="0">
+                <a:latin typeface="Times New Roman" panose="02020603050405020304" pitchFamily="18" charset="0"/>
+                <a:cs typeface="Times New Roman" panose="02020603050405020304" pitchFamily="18" charset="0"/>
+              </a:rPr>
+              <a:t> </a:t>
+            </a:r>
+            <a:r>
+              <a:rPr lang="en-US" sz="2000" dirty="0" err="1" smtClean="0">
+                <a:latin typeface="Times New Roman" panose="02020603050405020304" pitchFamily="18" charset="0"/>
+                <a:cs typeface="Times New Roman" panose="02020603050405020304" pitchFamily="18" charset="0"/>
+              </a:rPr>
+              <a:t>hình</a:t>
+            </a:r>
+            <a:endParaRPr lang="vi-VN" sz="2000" dirty="0">
+              <a:latin typeface="Times New Roman" panose="02020603050405020304" pitchFamily="18" charset="0"/>
+              <a:cs typeface="Times New Roman" panose="02020603050405020304" pitchFamily="18" charset="0"/>
+            </a:endParaRPr>
           </a:p>
           <a:p>
             <a:pPr marL="285750" indent="-285750">
@@ -14470,7 +14834,7 @@
               <a:buChar char="•"/>
             </a:pPr>
             <a:r>
-              <a:rPr lang="vi-VN" sz="2000" b="1">
+              <a:rPr lang="vi-VN" sz="2000" b="1" dirty="0">
                 <a:latin typeface="Times New Roman" panose="02020603050405020304" pitchFamily="18" charset="0"/>
                 <a:cs typeface="Times New Roman" panose="02020603050405020304" pitchFamily="18" charset="0"/>
               </a:rPr>
@@ -14479,14 +14843,14 @@
           </a:p>
           <a:p>
             <a:r>
-              <a:rPr lang="en-US" sz="2000">
+              <a:rPr lang="en-US" sz="2000" dirty="0">
                 <a:latin typeface="Times New Roman" panose="02020603050405020304" pitchFamily="18" charset="0"/>
                 <a:cs typeface="Times New Roman" panose="02020603050405020304" pitchFamily="18" charset="0"/>
               </a:rPr>
               <a:t>	</a:t>
             </a:r>
             <a:r>
-              <a:rPr lang="vi-VN" sz="2000">
+              <a:rPr lang="vi-VN" sz="2000" dirty="0">
                 <a:latin typeface="Times New Roman" panose="02020603050405020304" pitchFamily="18" charset="0"/>
                 <a:cs typeface="Times New Roman" panose="02020603050405020304" pitchFamily="18" charset="0"/>
               </a:rPr>
@@ -14499,7 +14863,7 @@
               <a:buChar char="•"/>
             </a:pPr>
             <a:r>
-              <a:rPr lang="vi-VN" sz="2000" b="1">
+              <a:rPr lang="vi-VN" sz="2000" b="1" dirty="0">
                 <a:latin typeface="Times New Roman" panose="02020603050405020304" pitchFamily="18" charset="0"/>
                 <a:cs typeface="Times New Roman" panose="02020603050405020304" pitchFamily="18" charset="0"/>
               </a:rPr>
@@ -14512,27 +14876,97 @@
               <a:buChar char="•"/>
             </a:pPr>
             <a:r>
-              <a:rPr lang="vi-VN" sz="2000" b="1">
+              <a:rPr lang="vi-VN" sz="2000" b="1" dirty="0">
                 <a:latin typeface="Times New Roman" panose="02020603050405020304" pitchFamily="18" charset="0"/>
                 <a:cs typeface="Times New Roman" panose="02020603050405020304" pitchFamily="18" charset="0"/>
               </a:rPr>
               <a:t>AT+CMGS=”sodienthoai” </a:t>
             </a:r>
             <a:r>
-              <a:rPr lang="vi-VN" sz="2000">
+              <a:rPr lang="vi-VN" sz="2000" dirty="0">
                 <a:latin typeface="Times New Roman" panose="02020603050405020304" pitchFamily="18" charset="0"/>
                 <a:cs typeface="Times New Roman" panose="02020603050405020304" pitchFamily="18" charset="0"/>
               </a:rPr>
               <a:t>: Gửi tin nhắn cho sodienthoai, sau dòng lệnh này sẽ nhận được ‘&gt;’ (mã HEX là 0x3C), bây giờ có thể nhập vào nội dung tin nhắn, nhập tiếp 0x1A để gửi tin nhắn đi hoặc 0x1B để hủy gửi tin nhắn</a:t>
             </a:r>
             <a:r>
-              <a:rPr lang="en-US" sz="2000">
+              <a:rPr lang="en-US" sz="2000" dirty="0" smtClean="0">
                 <a:latin typeface="Times New Roman" panose="02020603050405020304" pitchFamily="18" charset="0"/>
                 <a:cs typeface="Times New Roman" panose="02020603050405020304" pitchFamily="18" charset="0"/>
               </a:rPr>
-              <a:t>.</a:t>
-            </a:r>
-            <a:endParaRPr lang="vi-VN" sz="2000">
+              <a:t>.tin </a:t>
+            </a:r>
+            <a:r>
+              <a:rPr lang="en-US" sz="2000" dirty="0" err="1" smtClean="0">
+                <a:latin typeface="Times New Roman" panose="02020603050405020304" pitchFamily="18" charset="0"/>
+                <a:cs typeface="Times New Roman" panose="02020603050405020304" pitchFamily="18" charset="0"/>
+              </a:rPr>
+              <a:t>nhắn</a:t>
+            </a:r>
+            <a:r>
+              <a:rPr lang="en-US" sz="2000" dirty="0" smtClean="0">
+                <a:latin typeface="Times New Roman" panose="02020603050405020304" pitchFamily="18" charset="0"/>
+                <a:cs typeface="Times New Roman" panose="02020603050405020304" pitchFamily="18" charset="0"/>
+              </a:rPr>
+              <a:t> hay ox1a ox1b </a:t>
+            </a:r>
+            <a:r>
+              <a:rPr lang="en-US" sz="2000" dirty="0" err="1" smtClean="0">
+                <a:latin typeface="Times New Roman" panose="02020603050405020304" pitchFamily="18" charset="0"/>
+                <a:cs typeface="Times New Roman" panose="02020603050405020304" pitchFamily="18" charset="0"/>
+              </a:rPr>
+              <a:t>khoong</a:t>
+            </a:r>
+            <a:r>
+              <a:rPr lang="en-US" sz="2000" dirty="0" smtClean="0">
+                <a:latin typeface="Times New Roman" panose="02020603050405020304" pitchFamily="18" charset="0"/>
+                <a:cs typeface="Times New Roman" panose="02020603050405020304" pitchFamily="18" charset="0"/>
+              </a:rPr>
+              <a:t> </a:t>
+            </a:r>
+            <a:r>
+              <a:rPr lang="en-US" sz="2000" dirty="0" err="1" smtClean="0">
+                <a:latin typeface="Times New Roman" panose="02020603050405020304" pitchFamily="18" charset="0"/>
+                <a:cs typeface="Times New Roman" panose="02020603050405020304" pitchFamily="18" charset="0"/>
+              </a:rPr>
+              <a:t>cần</a:t>
+            </a:r>
+            <a:r>
+              <a:rPr lang="en-US" sz="2000" dirty="0" smtClean="0">
+                <a:latin typeface="Times New Roman" panose="02020603050405020304" pitchFamily="18" charset="0"/>
+                <a:cs typeface="Times New Roman" panose="02020603050405020304" pitchFamily="18" charset="0"/>
+              </a:rPr>
+              <a:t> &lt;CR&gt;&lt;LF&gt;, ox </a:t>
+            </a:r>
+            <a:r>
+              <a:rPr lang="en-US" sz="2000" dirty="0" err="1" smtClean="0">
+                <a:latin typeface="Times New Roman" panose="02020603050405020304" pitchFamily="18" charset="0"/>
+                <a:cs typeface="Times New Roman" panose="02020603050405020304" pitchFamily="18" charset="0"/>
+              </a:rPr>
+              <a:t>tahy</a:t>
+            </a:r>
+            <a:r>
+              <a:rPr lang="en-US" sz="2000" dirty="0" smtClean="0">
+                <a:latin typeface="Times New Roman" panose="02020603050405020304" pitchFamily="18" charset="0"/>
+                <a:cs typeface="Times New Roman" panose="02020603050405020304" pitchFamily="18" charset="0"/>
+              </a:rPr>
+              <a:t> </a:t>
+            </a:r>
+            <a:r>
+              <a:rPr lang="en-US" sz="2000" dirty="0" err="1" smtClean="0">
+                <a:latin typeface="Times New Roman" panose="02020603050405020304" pitchFamily="18" charset="0"/>
+                <a:cs typeface="Times New Roman" panose="02020603050405020304" pitchFamily="18" charset="0"/>
+              </a:rPr>
+              <a:t>bằng</a:t>
+            </a:r>
+            <a:r>
+              <a:rPr lang="en-US" sz="2000" dirty="0" smtClean="0">
+                <a:latin typeface="Times New Roman" panose="02020603050405020304" pitchFamily="18" charset="0"/>
+                <a:cs typeface="Times New Roman" panose="02020603050405020304" pitchFamily="18" charset="0"/>
+              </a:rPr>
+              <a:t> $</a:t>
+            </a:r>
+            <a:endParaRPr lang="vi-VN" sz="2000" dirty="0">
               <a:latin typeface="Times New Roman" panose="02020603050405020304" pitchFamily="18" charset="0"/>
               <a:cs typeface="Times New Roman" panose="02020603050405020304" pitchFamily="18" charset="0"/>
             </a:endParaRPr>
@@ -14759,7 +15193,7 @@
           <a:blip r:embed="rId5">
             <a:extLst>
               <a:ext uri="{96DAC541-7B7A-43D3-8B79-37D633B846F1}">
-                <asvg:svgBlip xmlns:asvg="http://schemas.microsoft.com/office/drawing/2016/SVG/main" r:embed="rId6"/>
+                <asvg:svgBlip xmlns:asvg="http://schemas.microsoft.com/office/drawing/2016/SVG/main" xmlns="" r:embed="rId6"/>
               </a:ext>
             </a:extLst>
           </a:blip>
@@ -15733,6 +16167,21 @@
 </file>
 
 <file path=customXml/item1.xml><?xml version="1.0" encoding="utf-8"?>
+<p:properties xmlns:p="http://schemas.microsoft.com/office/2006/metadata/properties" xmlns:xsi="http://www.w3.org/2001/XMLSchema-instance" xmlns:pc="http://schemas.microsoft.com/office/infopath/2007/PartnerControls">
+  <documentManagement/>
+</p:properties>
+</file>
+
+<file path=customXml/item2.xml><?xml version="1.0" encoding="utf-8"?>
+<?mso-contentType ?>
+<FormTemplates xmlns="http://schemas.microsoft.com/sharepoint/v3/contenttype/forms">
+  <Display>DocumentLibraryForm</Display>
+  <Edit>DocumentLibraryForm</Edit>
+  <New>DocumentLibraryForm</New>
+</FormTemplates>
+</file>
+
+<file path=customXml/item3.xml><?xml version="1.0" encoding="utf-8"?>
 <ct:contentTypeSchema xmlns:ct="http://schemas.microsoft.com/office/2006/metadata/contentType" xmlns:ma="http://schemas.microsoft.com/office/2006/metadata/properties/metaAttributes" ct:_="" ma:_="" ma:contentTypeName="Document" ma:contentTypeID="0x010100F1E4B5ECFB153C4C8D32F9A4CE3FEA67" ma:contentTypeVersion="8" ma:contentTypeDescription="Create a new document." ma:contentTypeScope="" ma:versionID="8632435a17cbf4f45145c2b7a605b133">
   <xsd:schema xmlns:xsd="http://www.w3.org/2001/XMLSchema" xmlns:xs="http://www.w3.org/2001/XMLSchema" xmlns:p="http://schemas.microsoft.com/office/2006/metadata/properties" xmlns:ns2="8dc4f5da-c9d6-4fa2-9bd4-f8b062bc8f4a" targetNamespace="http://schemas.microsoft.com/office/2006/metadata/properties" ma:root="true" ma:fieldsID="e239851d41d673466e1bf6d10412e374" ns2:_="">
     <xsd:import namespace="8dc4f5da-c9d6-4fa2-9bd4-f8b062bc8f4a"/>
@@ -15902,29 +16351,37 @@
 </ct:contentTypeSchema>
 </file>
 
-<file path=customXml/item2.xml><?xml version="1.0" encoding="utf-8"?>
-<?mso-contentType ?>
-<FormTemplates xmlns="http://schemas.microsoft.com/sharepoint/v3/contenttype/forms">
-  <Display>DocumentLibraryForm</Display>
-  <Edit>DocumentLibraryForm</Edit>
-  <New>DocumentLibraryForm</New>
-</FormTemplates>
-</file>
-
-<file path=customXml/item3.xml><?xml version="1.0" encoding="utf-8"?>
-<p:properties xmlns:p="http://schemas.microsoft.com/office/2006/metadata/properties" xmlns:xsi="http://www.w3.org/2001/XMLSchema-instance" xmlns:pc="http://schemas.microsoft.com/office/infopath/2007/PartnerControls">
-  <documentManagement/>
-</p:properties>
-</file>
-
 <file path=customXml/itemProps1.xml><?xml version="1.0" encoding="utf-8"?>
-<ds:datastoreItem xmlns:ds="http://schemas.openxmlformats.org/officeDocument/2006/customXml" ds:itemID="{FA570B84-6248-4822-8607-A6982CB25DAF}"/>
+<ds:datastoreItem xmlns:ds="http://schemas.openxmlformats.org/officeDocument/2006/customXml" ds:itemID="{AAAA3FE9-58E6-403A-943E-329A14DF22B2}">
+  <ds:schemaRefs>
+    <ds:schemaRef ds:uri="http://schemas.microsoft.com/office/2006/metadata/properties"/>
+    <ds:schemaRef ds:uri="http://schemas.microsoft.com/office/infopath/2007/PartnerControls"/>
+  </ds:schemaRefs>
+</ds:datastoreItem>
 </file>
 
 <file path=customXml/itemProps2.xml><?xml version="1.0" encoding="utf-8"?>
-<ds:datastoreItem xmlns:ds="http://schemas.openxmlformats.org/officeDocument/2006/customXml" ds:itemID="{C4B029D1-AB9C-4299-8473-883BAB6D4D29}"/>
+<ds:datastoreItem xmlns:ds="http://schemas.openxmlformats.org/officeDocument/2006/customXml" ds:itemID="{C4B029D1-AB9C-4299-8473-883BAB6D4D29}">
+  <ds:schemaRefs>
+    <ds:schemaRef ds:uri="http://schemas.microsoft.com/sharepoint/v3/contenttype/forms"/>
+  </ds:schemaRefs>
+</ds:datastoreItem>
 </file>
 
 <file path=customXml/itemProps3.xml><?xml version="1.0" encoding="utf-8"?>
-<ds:datastoreItem xmlns:ds="http://schemas.openxmlformats.org/officeDocument/2006/customXml" ds:itemID="{AAAA3FE9-58E6-403A-943E-329A14DF22B2}"/>
+<ds:datastoreItem xmlns:ds="http://schemas.openxmlformats.org/officeDocument/2006/customXml" ds:itemID="{FA570B84-6248-4822-8607-A6982CB25DAF}">
+  <ds:schemaRefs>
+    <ds:schemaRef ds:uri="http://schemas.microsoft.com/office/2006/metadata/contentType"/>
+    <ds:schemaRef ds:uri="http://schemas.microsoft.com/office/2006/metadata/properties/metaAttributes"/>
+    <ds:schemaRef ds:uri="http://www.w3.org/2001/XMLSchema"/>
+    <ds:schemaRef ds:uri="http://schemas.microsoft.com/office/2006/metadata/properties"/>
+    <ds:schemaRef ds:uri="8dc4f5da-c9d6-4fa2-9bd4-f8b062bc8f4a"/>
+    <ds:schemaRef ds:uri="http://schemas.microsoft.com/office/2006/documentManagement/types"/>
+    <ds:schemaRef ds:uri="http://schemas.microsoft.com/office/infopath/2007/PartnerControls"/>
+    <ds:schemaRef ds:uri="http://schemas.openxmlformats.org/package/2006/metadata/core-properties"/>
+    <ds:schemaRef ds:uri="http://purl.org/dc/elements/1.1/"/>
+    <ds:schemaRef ds:uri="http://purl.org/dc/terms/"/>
+    <ds:schemaRef ds:uri="http://schemas.microsoft.com/internal/obd"/>
+  </ds:schemaRefs>
+</ds:datastoreItem>
 </file>
--- a/Slide khoá SIM/Lesson_3.pptx
+++ b/Slide khoá SIM/Lesson_3.pptx
@@ -2512,7 +2512,7 @@
   <dgm:whole/>
   <dgm:extLst>
     <a:ext uri="http://schemas.microsoft.com/office/drawing/2008/diagram">
-      <dsp:dataModelExt xmlns:dsp="http://schemas.microsoft.com/office/drawing/2008/diagram" relId="rId8" minVer="http://schemas.openxmlformats.org/drawingml/2006/diagram"/>
+      <dsp:dataModelExt xmlns:dsp="http://schemas.microsoft.com/office/drawing/2008/diagram" relId="rId7" minVer="http://schemas.openxmlformats.org/drawingml/2006/diagram"/>
     </a:ext>
   </dgm:extLst>
 </dgm:dataModel>
@@ -12728,7 +12728,7 @@
         </p:nvSpPr>
         <p:spPr>
           <a:xfrm>
-            <a:off x="6481543" y="1852163"/>
+            <a:off x="2809876" y="1967975"/>
             <a:ext cx="5326012" cy="1461025"/>
           </a:xfrm>
         </p:spPr>
@@ -12739,99 +12739,12 @@
           <a:lstStyle/>
           <a:p>
             <a:r>
-              <a:rPr lang="en-US" sz="6200"/>
+              <a:rPr lang="en-US" sz="6200" dirty="0"/>
               <a:t>TẬP LỆNH AT </a:t>
             </a:r>
           </a:p>
         </p:txBody>
       </p:sp>
-      <p:sp>
-        <p:nvSpPr>
-          <p:cNvPr id="3" name="Subtitle 2">
-            <a:extLst>
-              <a:ext uri="{FF2B5EF4-FFF2-40B4-BE49-F238E27FC236}">
-                <a16:creationId xmlns:a16="http://schemas.microsoft.com/office/drawing/2014/main" id="{CA94AD29-D821-4F83-ACFF-ABAF48707847}"/>
-              </a:ext>
-            </a:extLst>
-          </p:cNvPr>
-          <p:cNvSpPr>
-            <a:spLocks noGrp="1"/>
-          </p:cNvSpPr>
-          <p:nvPr>
-            <p:ph type="subTitle" idx="1"/>
-          </p:nvPr>
-        </p:nvSpPr>
-        <p:spPr>
-          <a:xfrm>
-            <a:off x="6729999" y="4455621"/>
-            <a:ext cx="4829101" cy="1238616"/>
-          </a:xfrm>
-        </p:spPr>
-        <p:txBody>
-          <a:bodyPr>
-            <a:normAutofit/>
-          </a:bodyPr>
-          <a:lstStyle/>
-          <a:p>
-            <a:r>
-              <a:rPr lang="en-US">
-                <a:solidFill>
-                  <a:schemeClr val="tx1">
-                    <a:lumMod val="85000"/>
-                    <a:lumOff val="15000"/>
-                  </a:schemeClr>
-                </a:solidFill>
-              </a:rPr>
-              <a:t>Thực hiện: Huy Dang</a:t>
-            </a:r>
-          </a:p>
-          <a:p>
-            <a:endParaRPr lang="en-US">
-              <a:solidFill>
-                <a:schemeClr val="tx1">
-                  <a:lumMod val="85000"/>
-                  <a:lumOff val="15000"/>
-                </a:schemeClr>
-              </a:solidFill>
-            </a:endParaRPr>
-          </a:p>
-        </p:txBody>
-      </p:sp>
-      <p:pic>
-        <p:nvPicPr>
-          <p:cNvPr id="4" name="Picture 3" descr="A picture containing text, sign, vector graphics&#10;&#10;Description automatically generated">
-            <a:extLst>
-              <a:ext uri="{FF2B5EF4-FFF2-40B4-BE49-F238E27FC236}">
-                <a16:creationId xmlns:a16="http://schemas.microsoft.com/office/drawing/2014/main" id="{7460735B-CDC4-487C-B20D-A771062E4B56}"/>
-              </a:ext>
-            </a:extLst>
-          </p:cNvPr>
-          <p:cNvPicPr>
-            <a:picLocks noChangeAspect="1"/>
-          </p:cNvPicPr>
-          <p:nvPr/>
-        </p:nvPicPr>
-        <p:blipFill rotWithShape="1">
-          <a:blip r:embed="rId2">
-            <a:extLst>
-              <a:ext uri="{28A0092B-C50C-407E-A947-70E740481C1C}">
-                <a14:useLocalDpi xmlns:a14="http://schemas.microsoft.com/office/drawing/2010/main" val="0"/>
-              </a:ext>
-            </a:extLst>
-          </a:blip>
-          <a:srcRect t="10731" r="2" b="2"/>
-          <a:stretch/>
-        </p:blipFill>
-        <p:spPr>
-          <a:xfrm>
-            <a:off x="633999" y="729228"/>
-            <a:ext cx="5462001" cy="4875862"/>
-          </a:xfrm>
-          <a:prstGeom prst="rect">
-            <a:avLst/>
-          </a:prstGeom>
-        </p:spPr>
-      </p:pic>
       <p:cxnSp>
         <p:nvCxnSpPr>
           <p:cNvPr id="26" name="Straight Connector 25">
@@ -13155,41 +13068,6 @@
           </a:p>
         </p:txBody>
       </p:sp>
-      <p:pic>
-        <p:nvPicPr>
-          <p:cNvPr id="10" name="Picture 9" descr="A picture containing text, sign, vector graphics&#10;&#10;Description automatically generated">
-            <a:extLst>
-              <a:ext uri="{FF2B5EF4-FFF2-40B4-BE49-F238E27FC236}">
-                <a16:creationId xmlns:a16="http://schemas.microsoft.com/office/drawing/2014/main" id="{A3AFB8EB-FF52-4770-B9E8-E14DBB7D0526}"/>
-              </a:ext>
-            </a:extLst>
-          </p:cNvPr>
-          <p:cNvPicPr>
-            <a:picLocks noChangeAspect="1"/>
-          </p:cNvPicPr>
-          <p:nvPr/>
-        </p:nvPicPr>
-        <p:blipFill rotWithShape="1">
-          <a:blip r:embed="rId7">
-            <a:extLst>
-              <a:ext uri="{28A0092B-C50C-407E-A947-70E740481C1C}">
-                <a14:useLocalDpi xmlns:a14="http://schemas.microsoft.com/office/drawing/2010/main" val="0"/>
-              </a:ext>
-            </a:extLst>
-          </a:blip>
-          <a:srcRect t="10731" r="2" b="2"/>
-          <a:stretch/>
-        </p:blipFill>
-        <p:spPr>
-          <a:xfrm>
-            <a:off x="10269039" y="0"/>
-            <a:ext cx="1922961" cy="1716604"/>
-          </a:xfrm>
-          <a:prstGeom prst="rect">
-            <a:avLst/>
-          </a:prstGeom>
-        </p:spPr>
-      </p:pic>
     </p:spTree>
     <p:extLst>
       <p:ext uri="{BB962C8B-B14F-4D97-AF65-F5344CB8AC3E}">
@@ -13256,41 +13134,6 @@
           </a:p>
         </p:txBody>
       </p:sp>
-      <p:pic>
-        <p:nvPicPr>
-          <p:cNvPr id="4" name="Picture 3" descr="A picture containing text, sign, vector graphics&#10;&#10;Description automatically generated">
-            <a:extLst>
-              <a:ext uri="{FF2B5EF4-FFF2-40B4-BE49-F238E27FC236}">
-                <a16:creationId xmlns:a16="http://schemas.microsoft.com/office/drawing/2014/main" id="{708614F4-E979-4011-90A5-0FEC75B08B44}"/>
-              </a:ext>
-            </a:extLst>
-          </p:cNvPr>
-          <p:cNvPicPr>
-            <a:picLocks noChangeAspect="1"/>
-          </p:cNvPicPr>
-          <p:nvPr/>
-        </p:nvPicPr>
-        <p:blipFill rotWithShape="1">
-          <a:blip r:embed="rId3">
-            <a:extLst>
-              <a:ext uri="{28A0092B-C50C-407E-A947-70E740481C1C}">
-                <a14:useLocalDpi xmlns:a14="http://schemas.microsoft.com/office/drawing/2010/main" val="0"/>
-              </a:ext>
-            </a:extLst>
-          </a:blip>
-          <a:srcRect t="10731" r="2" b="2"/>
-          <a:stretch/>
-        </p:blipFill>
-        <p:spPr>
-          <a:xfrm>
-            <a:off x="10269039" y="0"/>
-            <a:ext cx="1922961" cy="1716604"/>
-          </a:xfrm>
-          <a:prstGeom prst="rect">
-            <a:avLst/>
-          </a:prstGeom>
-        </p:spPr>
-      </p:pic>
       <p:sp>
         <p:nvSpPr>
           <p:cNvPr id="6" name="Rectangle: Rounded Corners 5">
@@ -13367,7 +13210,7 @@
         </p:xfrm>
         <a:graphic>
           <a:graphicData uri="http://schemas.openxmlformats.org/drawingml/2006/diagram">
-            <dgm:relIds xmlns:dgm="http://schemas.openxmlformats.org/drawingml/2006/diagram" xmlns:r="http://schemas.openxmlformats.org/officeDocument/2006/relationships" r:dm="rId4" r:lo="rId5" r:qs="rId6" r:cs="rId7"/>
+            <dgm:relIds xmlns:dgm="http://schemas.openxmlformats.org/drawingml/2006/diagram" xmlns:r="http://schemas.openxmlformats.org/officeDocument/2006/relationships" r:dm="rId3" r:lo="rId4" r:qs="rId5" r:cs="rId6"/>
           </a:graphicData>
         </a:graphic>
       </p:graphicFrame>
@@ -13432,41 +13275,6 @@
           </a:p>
         </p:txBody>
       </p:sp>
-      <p:pic>
-        <p:nvPicPr>
-          <p:cNvPr id="4" name="Picture 3" descr="A picture containing text, sign, vector graphics&#10;&#10;Description automatically generated">
-            <a:extLst>
-              <a:ext uri="{FF2B5EF4-FFF2-40B4-BE49-F238E27FC236}">
-                <a16:creationId xmlns:a16="http://schemas.microsoft.com/office/drawing/2014/main" id="{708614F4-E979-4011-90A5-0FEC75B08B44}"/>
-              </a:ext>
-            </a:extLst>
-          </p:cNvPr>
-          <p:cNvPicPr>
-            <a:picLocks noChangeAspect="1"/>
-          </p:cNvPicPr>
-          <p:nvPr/>
-        </p:nvPicPr>
-        <p:blipFill rotWithShape="1">
-          <a:blip r:embed="rId3">
-            <a:extLst>
-              <a:ext uri="{28A0092B-C50C-407E-A947-70E740481C1C}">
-                <a14:useLocalDpi xmlns:a14="http://schemas.microsoft.com/office/drawing/2010/main" val="0"/>
-              </a:ext>
-            </a:extLst>
-          </a:blip>
-          <a:srcRect t="10731" r="2" b="2"/>
-          <a:stretch/>
-        </p:blipFill>
-        <p:spPr>
-          <a:xfrm>
-            <a:off x="10269039" y="0"/>
-            <a:ext cx="1922961" cy="1716604"/>
-          </a:xfrm>
-          <a:prstGeom prst="rect">
-            <a:avLst/>
-          </a:prstGeom>
-        </p:spPr>
-      </p:pic>
       <p:sp>
         <p:nvSpPr>
           <p:cNvPr id="6" name="Rectangle: Rounded Corners 5">
@@ -13586,7 +13394,7 @@
           <p:nvPr/>
         </p:nvPicPr>
         <p:blipFill>
-          <a:blip r:embed="rId4"/>
+          <a:blip r:embed="rId3"/>
           <a:stretch>
             <a:fillRect/>
           </a:stretch>
@@ -13789,41 +13597,6 @@
           </a:p>
         </p:txBody>
       </p:sp>
-      <p:pic>
-        <p:nvPicPr>
-          <p:cNvPr id="4" name="Picture 3" descr="A picture containing text, sign, vector graphics&#10;&#10;Description automatically generated">
-            <a:extLst>
-              <a:ext uri="{FF2B5EF4-FFF2-40B4-BE49-F238E27FC236}">
-                <a16:creationId xmlns:a16="http://schemas.microsoft.com/office/drawing/2014/main" id="{708614F4-E979-4011-90A5-0FEC75B08B44}"/>
-              </a:ext>
-            </a:extLst>
-          </p:cNvPr>
-          <p:cNvPicPr>
-            <a:picLocks noChangeAspect="1"/>
-          </p:cNvPicPr>
-          <p:nvPr/>
-        </p:nvPicPr>
-        <p:blipFill rotWithShape="1">
-          <a:blip r:embed="rId3">
-            <a:extLst>
-              <a:ext uri="{28A0092B-C50C-407E-A947-70E740481C1C}">
-                <a14:useLocalDpi xmlns:a14="http://schemas.microsoft.com/office/drawing/2010/main" val="0"/>
-              </a:ext>
-            </a:extLst>
-          </a:blip>
-          <a:srcRect t="10731" r="2" b="2"/>
-          <a:stretch/>
-        </p:blipFill>
-        <p:spPr>
-          <a:xfrm>
-            <a:off x="10269039" y="0"/>
-            <a:ext cx="1922961" cy="1716604"/>
-          </a:xfrm>
-          <a:prstGeom prst="rect">
-            <a:avLst/>
-          </a:prstGeom>
-        </p:spPr>
-      </p:pic>
       <p:sp>
         <p:nvSpPr>
           <p:cNvPr id="6" name="Rectangle: Rounded Corners 5">
@@ -14117,41 +13890,6 @@
           </a:p>
         </p:txBody>
       </p:sp>
-      <p:pic>
-        <p:nvPicPr>
-          <p:cNvPr id="4" name="Picture 3" descr="A picture containing text, sign, vector graphics&#10;&#10;Description automatically generated">
-            <a:extLst>
-              <a:ext uri="{FF2B5EF4-FFF2-40B4-BE49-F238E27FC236}">
-                <a16:creationId xmlns:a16="http://schemas.microsoft.com/office/drawing/2014/main" id="{708614F4-E979-4011-90A5-0FEC75B08B44}"/>
-              </a:ext>
-            </a:extLst>
-          </p:cNvPr>
-          <p:cNvPicPr>
-            <a:picLocks noChangeAspect="1"/>
-          </p:cNvPicPr>
-          <p:nvPr/>
-        </p:nvPicPr>
-        <p:blipFill rotWithShape="1">
-          <a:blip r:embed="rId3">
-            <a:extLst>
-              <a:ext uri="{28A0092B-C50C-407E-A947-70E740481C1C}">
-                <a14:useLocalDpi xmlns:a14="http://schemas.microsoft.com/office/drawing/2010/main" val="0"/>
-              </a:ext>
-            </a:extLst>
-          </a:blip>
-          <a:srcRect t="10731" r="2" b="2"/>
-          <a:stretch/>
-        </p:blipFill>
-        <p:spPr>
-          <a:xfrm>
-            <a:off x="10269039" y="0"/>
-            <a:ext cx="1922961" cy="1716604"/>
-          </a:xfrm>
-          <a:prstGeom prst="rect">
-            <a:avLst/>
-          </a:prstGeom>
-        </p:spPr>
-      </p:pic>
       <p:sp>
         <p:nvSpPr>
           <p:cNvPr id="6" name="Rectangle: Rounded Corners 5">
@@ -14407,7 +14145,7 @@
               <a:t>lệnh</a:t>
             </a:r>
             <a:r>
-              <a:rPr lang="en-US">
+              <a:rPr lang="en-US" dirty="0">
                 <a:latin typeface="Times New Roman" panose="02020603050405020304" pitchFamily="18" charset="0"/>
                 <a:cs typeface="Times New Roman" panose="02020603050405020304" pitchFamily="18" charset="0"/>
               </a:rPr>
@@ -14416,41 +14154,6 @@
           </a:p>
         </p:txBody>
       </p:sp>
-      <p:pic>
-        <p:nvPicPr>
-          <p:cNvPr id="4" name="Picture 3" descr="A picture containing text, sign, vector graphics&#10;&#10;Description automatically generated">
-            <a:extLst>
-              <a:ext uri="{FF2B5EF4-FFF2-40B4-BE49-F238E27FC236}">
-                <a16:creationId xmlns:a16="http://schemas.microsoft.com/office/drawing/2014/main" id="{708614F4-E979-4011-90A5-0FEC75B08B44}"/>
-              </a:ext>
-            </a:extLst>
-          </p:cNvPr>
-          <p:cNvPicPr>
-            <a:picLocks noChangeAspect="1"/>
-          </p:cNvPicPr>
-          <p:nvPr/>
-        </p:nvPicPr>
-        <p:blipFill rotWithShape="1">
-          <a:blip r:embed="rId3">
-            <a:extLst>
-              <a:ext uri="{28A0092B-C50C-407E-A947-70E740481C1C}">
-                <a14:useLocalDpi xmlns:a14="http://schemas.microsoft.com/office/drawing/2010/main" val="0"/>
-              </a:ext>
-            </a:extLst>
-          </a:blip>
-          <a:srcRect t="10731" r="2" b="2"/>
-          <a:stretch/>
-        </p:blipFill>
-        <p:spPr>
-          <a:xfrm>
-            <a:off x="10269039" y="0"/>
-            <a:ext cx="1922961" cy="1716604"/>
-          </a:xfrm>
-          <a:prstGeom prst="rect">
-            <a:avLst/>
-          </a:prstGeom>
-        </p:spPr>
-      </p:pic>
       <p:sp>
         <p:nvSpPr>
           <p:cNvPr id="6" name="Rectangle: Rounded Corners 5">
@@ -15037,41 +14740,6 @@
           </a:p>
         </p:txBody>
       </p:sp>
-      <p:pic>
-        <p:nvPicPr>
-          <p:cNvPr id="4" name="Picture 3" descr="A picture containing text, sign, vector graphics&#10;&#10;Description automatically generated">
-            <a:extLst>
-              <a:ext uri="{FF2B5EF4-FFF2-40B4-BE49-F238E27FC236}">
-                <a16:creationId xmlns:a16="http://schemas.microsoft.com/office/drawing/2014/main" id="{708614F4-E979-4011-90A5-0FEC75B08B44}"/>
-              </a:ext>
-            </a:extLst>
-          </p:cNvPr>
-          <p:cNvPicPr>
-            <a:picLocks noChangeAspect="1"/>
-          </p:cNvPicPr>
-          <p:nvPr/>
-        </p:nvPicPr>
-        <p:blipFill rotWithShape="1">
-          <a:blip r:embed="rId3">
-            <a:extLst>
-              <a:ext uri="{28A0092B-C50C-407E-A947-70E740481C1C}">
-                <a14:useLocalDpi xmlns:a14="http://schemas.microsoft.com/office/drawing/2010/main" val="0"/>
-              </a:ext>
-            </a:extLst>
-          </a:blip>
-          <a:srcRect t="10731" r="2" b="2"/>
-          <a:stretch/>
-        </p:blipFill>
-        <p:spPr>
-          <a:xfrm>
-            <a:off x="10269039" y="0"/>
-            <a:ext cx="1922961" cy="1716604"/>
-          </a:xfrm>
-          <a:prstGeom prst="rect">
-            <a:avLst/>
-          </a:prstGeom>
-        </p:spPr>
-      </p:pic>
       <p:sp>
         <p:nvSpPr>
           <p:cNvPr id="19" name="TextBox 18">
@@ -15121,7 +14789,7 @@
           <p:nvPr/>
         </p:nvPicPr>
         <p:blipFill>
-          <a:blip r:embed="rId4"/>
+          <a:blip r:embed="rId3"/>
           <a:stretch>
             <a:fillRect/>
           </a:stretch>
@@ -15190,7 +14858,7 @@
           <p:nvPr/>
         </p:nvPicPr>
         <p:blipFill>
-          <a:blip r:embed="rId5">
+          <a:blip r:embed="rId4">
             <a:extLst>
               <a:ext uri="{96DAC541-7B7A-43D3-8B79-37D633B846F1}">
                 <asvg:svgBlip xmlns:asvg="http://schemas.microsoft.com/office/drawing/2016/SVG/main" xmlns="" r:embed="rId6"/>
@@ -15540,41 +15208,6 @@
           </a:p>
         </p:txBody>
       </p:sp>
-      <p:pic>
-        <p:nvPicPr>
-          <p:cNvPr id="4" name="Picture 3" descr="A picture containing text, sign, vector graphics&#10;&#10;Description automatically generated">
-            <a:extLst>
-              <a:ext uri="{FF2B5EF4-FFF2-40B4-BE49-F238E27FC236}">
-                <a16:creationId xmlns:a16="http://schemas.microsoft.com/office/drawing/2014/main" id="{708614F4-E979-4011-90A5-0FEC75B08B44}"/>
-              </a:ext>
-            </a:extLst>
-          </p:cNvPr>
-          <p:cNvPicPr>
-            <a:picLocks noChangeAspect="1"/>
-          </p:cNvPicPr>
-          <p:nvPr/>
-        </p:nvPicPr>
-        <p:blipFill rotWithShape="1">
-          <a:blip r:embed="rId3">
-            <a:extLst>
-              <a:ext uri="{28A0092B-C50C-407E-A947-70E740481C1C}">
-                <a14:useLocalDpi xmlns:a14="http://schemas.microsoft.com/office/drawing/2010/main" val="0"/>
-              </a:ext>
-            </a:extLst>
-          </a:blip>
-          <a:srcRect t="10731" r="2" b="2"/>
-          <a:stretch/>
-        </p:blipFill>
-        <p:spPr>
-          <a:xfrm>
-            <a:off x="10269039" y="0"/>
-            <a:ext cx="1922961" cy="1716604"/>
-          </a:xfrm>
-          <a:prstGeom prst="rect">
-            <a:avLst/>
-          </a:prstGeom>
-        </p:spPr>
-      </p:pic>
     </p:spTree>
     <p:extLst>
       <p:ext uri="{BB962C8B-B14F-4D97-AF65-F5344CB8AC3E}">
